--- a/Documentazione/I3_PRESENTAZIONE_PROG2.pptx
+++ b/Documentazione/I3_PRESENTAZIONE_PROG2.pptx
@@ -5,7 +5,7 @@
     <p:sldMasterId id="2147483660" r:id="rId1"/>
   </p:sldMasterIdLst>
   <p:notesMasterIdLst>
-    <p:notesMasterId r:id="rId14"/>
+    <p:notesMasterId r:id="rId18"/>
   </p:notesMasterIdLst>
   <p:sldIdLst>
     <p:sldId id="256" r:id="rId2"/>
@@ -13,13 +13,17 @@
     <p:sldId id="258" r:id="rId4"/>
     <p:sldId id="267" r:id="rId5"/>
     <p:sldId id="259" r:id="rId6"/>
-    <p:sldId id="264" r:id="rId7"/>
-    <p:sldId id="261" r:id="rId8"/>
-    <p:sldId id="262" r:id="rId9"/>
-    <p:sldId id="265" r:id="rId10"/>
-    <p:sldId id="260" r:id="rId11"/>
-    <p:sldId id="266" r:id="rId12"/>
-    <p:sldId id="263" r:id="rId13"/>
+    <p:sldId id="268" r:id="rId7"/>
+    <p:sldId id="264" r:id="rId8"/>
+    <p:sldId id="261" r:id="rId9"/>
+    <p:sldId id="262" r:id="rId10"/>
+    <p:sldId id="265" r:id="rId11"/>
+    <p:sldId id="269" r:id="rId12"/>
+    <p:sldId id="270" r:id="rId13"/>
+    <p:sldId id="271" r:id="rId14"/>
+    <p:sldId id="266" r:id="rId15"/>
+    <p:sldId id="260" r:id="rId16"/>
+    <p:sldId id="263" r:id="rId17"/>
   </p:sldIdLst>
   <p:sldSz cx="12192000" cy="6858000"/>
   <p:notesSz cx="6858000" cy="9144000"/>
@@ -932,7 +936,6 @@
             <a:rPr lang="it-CH" dirty="0" smtClean="0"/>
             <a:t>Segnale della ventola</a:t>
           </a:r>
-          <a:endParaRPr lang="it-CH" dirty="0" smtClean="0"/>
         </a:p>
       </dgm:t>
     </dgm:pt>
@@ -1095,17 +1098,17 @@
     </dgm:pt>
   </dgm:ptLst>
   <dgm:cxnLst>
-    <dgm:cxn modelId="{C4BE5CF9-8531-4643-A2D1-2BB9EC8433AF}" type="presOf" srcId="{129CC446-2C7E-4213-930C-E1F3A4E5B38D}" destId="{F7CBA9AD-FEFA-4D63-B990-DD4316FAE406}" srcOrd="0" destOrd="0" presId="urn:microsoft.com/office/officeart/2005/8/layout/process1"/>
+    <dgm:cxn modelId="{043CF247-041A-4E66-AEB6-A2EA6260910F}" type="presOf" srcId="{33E65257-AD7E-4208-8DDE-A195202EF882}" destId="{8D8AB320-18AD-4ED3-B141-3A9A6DE50F83}" srcOrd="0" destOrd="0" presId="urn:microsoft.com/office/officeart/2005/8/layout/process1"/>
+    <dgm:cxn modelId="{1579DA02-D555-4F50-80E0-F912460FD477}" type="presOf" srcId="{A2FB8547-AE1B-4A72-B671-FA607131E0F0}" destId="{DA383E8A-4757-4BBD-A75B-C5EAE8BDF45B}" srcOrd="0" destOrd="0" presId="urn:microsoft.com/office/officeart/2005/8/layout/process1"/>
     <dgm:cxn modelId="{01DA4B73-410E-47DE-8303-D1A8F7C86377}" srcId="{4FA64FA0-E9EC-4E91-8C9C-79E49C460BF6}" destId="{B166564F-C62C-4658-9F37-A1387CA8E149}" srcOrd="2" destOrd="0" parTransId="{44B610B7-28D0-40C1-8326-913127E7838D}" sibTransId="{660F8009-5C8A-431C-99BF-DADA8252DAF9}"/>
     <dgm:cxn modelId="{A92BD521-6ECB-4DB8-9DB3-F728B62B65A7}" type="presOf" srcId="{4FA64FA0-E9EC-4E91-8C9C-79E49C460BF6}" destId="{79A05937-439D-4737-BDAB-484A9D56F0C5}" srcOrd="0" destOrd="0" presId="urn:microsoft.com/office/officeart/2005/8/layout/process1"/>
+    <dgm:cxn modelId="{97CCA536-F2B0-42BD-A715-9E13CC8A91A1}" type="presOf" srcId="{4E10F4A3-3B52-4EC5-A81C-79013F87DD7D}" destId="{49715DEE-8FA4-496B-B548-CD33914F8783}" srcOrd="0" destOrd="0" presId="urn:microsoft.com/office/officeart/2005/8/layout/process1"/>
     <dgm:cxn modelId="{E30C77E1-2327-41D6-B607-485BE93E07F4}" type="presOf" srcId="{B166564F-C62C-4658-9F37-A1387CA8E149}" destId="{2D175D1B-1075-4BF3-8C6A-1F52D3BA86F8}" srcOrd="0" destOrd="0" presId="urn:microsoft.com/office/officeart/2005/8/layout/process1"/>
+    <dgm:cxn modelId="{8FAC1D9C-50C0-4FB9-B119-8FFE165C97E5}" srcId="{4FA64FA0-E9EC-4E91-8C9C-79E49C460BF6}" destId="{4E10F4A3-3B52-4EC5-A81C-79013F87DD7D}" srcOrd="1" destOrd="0" parTransId="{F0A672D0-466D-4607-BAE3-2C7D50348FB1}" sibTransId="{33E65257-AD7E-4208-8DDE-A195202EF882}"/>
     <dgm:cxn modelId="{B50C2C0D-19D6-4332-BB65-6506620AEFD8}" srcId="{4FA64FA0-E9EC-4E91-8C9C-79E49C460BF6}" destId="{129CC446-2C7E-4213-930C-E1F3A4E5B38D}" srcOrd="0" destOrd="0" parTransId="{FE03957F-97CA-43A5-A22A-B6DD423DE6A8}" sibTransId="{A2FB8547-AE1B-4A72-B671-FA607131E0F0}"/>
-    <dgm:cxn modelId="{1579DA02-D555-4F50-80E0-F912460FD477}" type="presOf" srcId="{A2FB8547-AE1B-4A72-B671-FA607131E0F0}" destId="{DA383E8A-4757-4BBD-A75B-C5EAE8BDF45B}" srcOrd="0" destOrd="0" presId="urn:microsoft.com/office/officeart/2005/8/layout/process1"/>
+    <dgm:cxn modelId="{C4BE5CF9-8531-4643-A2D1-2BB9EC8433AF}" type="presOf" srcId="{129CC446-2C7E-4213-930C-E1F3A4E5B38D}" destId="{F7CBA9AD-FEFA-4D63-B990-DD4316FAE406}" srcOrd="0" destOrd="0" presId="urn:microsoft.com/office/officeart/2005/8/layout/process1"/>
+    <dgm:cxn modelId="{FAB55BF8-6A25-48A6-98AE-2279CA5A2DB4}" type="presOf" srcId="{A2FB8547-AE1B-4A72-B671-FA607131E0F0}" destId="{D63F412A-A8A7-470D-A404-270AF7AF5F5C}" srcOrd="1" destOrd="0" presId="urn:microsoft.com/office/officeart/2005/8/layout/process1"/>
     <dgm:cxn modelId="{2B32CCCC-7411-4BB5-AA92-CCA5266B4DD6}" type="presOf" srcId="{33E65257-AD7E-4208-8DDE-A195202EF882}" destId="{E8FF6176-56B0-4BEC-B1E1-5E800C83B278}" srcOrd="1" destOrd="0" presId="urn:microsoft.com/office/officeart/2005/8/layout/process1"/>
-    <dgm:cxn modelId="{8FAC1D9C-50C0-4FB9-B119-8FFE165C97E5}" srcId="{4FA64FA0-E9EC-4E91-8C9C-79E49C460BF6}" destId="{4E10F4A3-3B52-4EC5-A81C-79013F87DD7D}" srcOrd="1" destOrd="0" parTransId="{F0A672D0-466D-4607-BAE3-2C7D50348FB1}" sibTransId="{33E65257-AD7E-4208-8DDE-A195202EF882}"/>
-    <dgm:cxn modelId="{043CF247-041A-4E66-AEB6-A2EA6260910F}" type="presOf" srcId="{33E65257-AD7E-4208-8DDE-A195202EF882}" destId="{8D8AB320-18AD-4ED3-B141-3A9A6DE50F83}" srcOrd="0" destOrd="0" presId="urn:microsoft.com/office/officeart/2005/8/layout/process1"/>
-    <dgm:cxn modelId="{FAB55BF8-6A25-48A6-98AE-2279CA5A2DB4}" type="presOf" srcId="{A2FB8547-AE1B-4A72-B671-FA607131E0F0}" destId="{D63F412A-A8A7-470D-A404-270AF7AF5F5C}" srcOrd="1" destOrd="0" presId="urn:microsoft.com/office/officeart/2005/8/layout/process1"/>
-    <dgm:cxn modelId="{97CCA536-F2B0-42BD-A715-9E13CC8A91A1}" type="presOf" srcId="{4E10F4A3-3B52-4EC5-A81C-79013F87DD7D}" destId="{49715DEE-8FA4-496B-B548-CD33914F8783}" srcOrd="0" destOrd="0" presId="urn:microsoft.com/office/officeart/2005/8/layout/process1"/>
     <dgm:cxn modelId="{691F7989-0EE8-4592-85D7-D01F606DAEC9}" type="presParOf" srcId="{79A05937-439D-4737-BDAB-484A9D56F0C5}" destId="{F7CBA9AD-FEFA-4D63-B990-DD4316FAE406}" srcOrd="0" destOrd="0" presId="urn:microsoft.com/office/officeart/2005/8/layout/process1"/>
     <dgm:cxn modelId="{B4C2F3A2-051F-4039-A3B2-0939598A7D48}" type="presParOf" srcId="{79A05937-439D-4737-BDAB-484A9D56F0C5}" destId="{DA383E8A-4757-4BBD-A75B-C5EAE8BDF45B}" srcOrd="1" destOrd="0" presId="urn:microsoft.com/office/officeart/2005/8/layout/process1"/>
     <dgm:cxn modelId="{8DAB2403-5B8F-492F-8681-5167395FC828}" type="presParOf" srcId="{DA383E8A-4757-4BBD-A75B-C5EAE8BDF45B}" destId="{D63F412A-A8A7-470D-A404-270AF7AF5F5C}" srcOrd="0" destOrd="0" presId="urn:microsoft.com/office/officeart/2005/8/layout/process1"/>
@@ -1203,7 +1206,6 @@
             <a:rPr lang="it-CH" sz="2700" kern="1200" dirty="0" smtClean="0"/>
             <a:t>Segnale della ventola</a:t>
           </a:r>
-          <a:endParaRPr lang="it-CH" sz="2700" kern="1200" dirty="0" smtClean="0"/>
         </a:p>
       </dsp:txBody>
       <dsp:txXfrm>
@@ -2777,7 +2779,7 @@
           <a:p>
             <a:fld id="{52D0ACC9-0F34-434F-A11F-8B142ECDC4E4}" type="datetimeFigureOut">
               <a:rPr lang="it-CH" smtClean="0"/>
-              <a:t>19.01.2018</a:t>
+              <a:t>09.03.2018</a:t>
             </a:fld>
             <a:endParaRPr lang="it-CH"/>
           </a:p>
@@ -3188,6 +3190,22 @@
           <a:bodyPr/>
           <a:lstStyle/>
           <a:p>
+            <a:r>
+              <a:rPr lang="it-CH" dirty="0" smtClean="0"/>
+              <a:t>2,5 millesimi</a:t>
+            </a:r>
+            <a:r>
+              <a:rPr lang="it-CH" baseline="0" dirty="0" smtClean="0"/>
+              <a:t> di </a:t>
+            </a:r>
+            <a:r>
+              <a:rPr lang="it-CH" dirty="0" smtClean="0"/>
+              <a:t>secondo</a:t>
+            </a:r>
+            <a:r>
+              <a:rPr lang="it-CH" baseline="0" dirty="0" smtClean="0"/>
+              <a:t> </a:t>
+            </a:r>
             <a:endParaRPr lang="it-CH" dirty="0"/>
           </a:p>
         </p:txBody>
@@ -3218,7 +3236,7 @@
     </p:spTree>
     <p:extLst>
       <p:ext uri="{BB962C8B-B14F-4D97-AF65-F5344CB8AC3E}">
-        <p14:creationId xmlns:p14="http://schemas.microsoft.com/office/powerpoint/2010/main" val="1708912513"/>
+        <p14:creationId xmlns:p14="http://schemas.microsoft.com/office/powerpoint/2010/main" val="2658076546"/>
       </p:ext>
     </p:extLst>
   </p:cSld>
@@ -3272,6 +3290,26 @@
           <a:bodyPr/>
           <a:lstStyle/>
           <a:p>
+            <a:r>
+              <a:rPr lang="it-CH" dirty="0" smtClean="0"/>
+              <a:t>2,5 millesimi</a:t>
+            </a:r>
+            <a:r>
+              <a:rPr lang="it-CH" baseline="0" dirty="0" smtClean="0"/>
+              <a:t> </a:t>
+            </a:r>
+            <a:r>
+              <a:rPr lang="it-CH" baseline="0" smtClean="0"/>
+              <a:t>di </a:t>
+            </a:r>
+            <a:r>
+              <a:rPr lang="it-CH" smtClean="0"/>
+              <a:t>secondo</a:t>
+            </a:r>
+            <a:r>
+              <a:rPr lang="it-CH" baseline="0" smtClean="0"/>
+              <a:t> </a:t>
+            </a:r>
             <a:endParaRPr lang="it-CH" dirty="0"/>
           </a:p>
         </p:txBody>
@@ -3294,6 +3332,350 @@
             <a:fld id="{2E509A67-DD3A-46B0-9320-287AC8901D53}" type="slidenum">
               <a:rPr lang="it-CH" smtClean="0"/>
               <a:t>12</a:t>
+            </a:fld>
+            <a:endParaRPr lang="it-CH"/>
+          </a:p>
+        </p:txBody>
+      </p:sp>
+    </p:spTree>
+    <p:extLst>
+      <p:ext uri="{BB962C8B-B14F-4D97-AF65-F5344CB8AC3E}">
+        <p14:creationId xmlns:p14="http://schemas.microsoft.com/office/powerpoint/2010/main" val="3655896148"/>
+      </p:ext>
+    </p:extLst>
+  </p:cSld>
+  <p:clrMapOvr>
+    <a:masterClrMapping/>
+  </p:clrMapOvr>
+</p:notes>
+</file>
+
+<file path=ppt/notesSlides/notesSlide12.xml><?xml version="1.0" encoding="utf-8"?>
+<p:notes xmlns:a="http://schemas.openxmlformats.org/drawingml/2006/main" xmlns:r="http://schemas.openxmlformats.org/officeDocument/2006/relationships" xmlns:p="http://schemas.openxmlformats.org/presentationml/2006/main">
+  <p:cSld>
+    <p:spTree>
+      <p:nvGrpSpPr>
+        <p:cNvPr id="1" name=""/>
+        <p:cNvGrpSpPr/>
+        <p:nvPr/>
+      </p:nvGrpSpPr>
+      <p:grpSpPr>
+        <a:xfrm>
+          <a:off x="0" y="0"/>
+          <a:ext cx="0" cy="0"/>
+          <a:chOff x="0" y="0"/>
+          <a:chExt cx="0" cy="0"/>
+        </a:xfrm>
+      </p:grpSpPr>
+      <p:sp>
+        <p:nvSpPr>
+          <p:cNvPr id="2" name="Segnaposto immagine diapositiva 1"/>
+          <p:cNvSpPr>
+            <a:spLocks noGrp="1" noRot="1" noChangeAspect="1"/>
+          </p:cNvSpPr>
+          <p:nvPr>
+            <p:ph type="sldImg"/>
+          </p:nvPr>
+        </p:nvSpPr>
+        <p:spPr/>
+      </p:sp>
+      <p:sp>
+        <p:nvSpPr>
+          <p:cNvPr id="3" name="Segnaposto note 2"/>
+          <p:cNvSpPr>
+            <a:spLocks noGrp="1"/>
+          </p:cNvSpPr>
+          <p:nvPr>
+            <p:ph type="body" idx="1"/>
+          </p:nvPr>
+        </p:nvSpPr>
+        <p:spPr/>
+        <p:txBody>
+          <a:bodyPr/>
+          <a:lstStyle/>
+          <a:p>
+            <a:r>
+              <a:rPr lang="it-CH" dirty="0" smtClean="0"/>
+              <a:t>Tramite</a:t>
+            </a:r>
+            <a:r>
+              <a:rPr lang="it-CH" baseline="0" dirty="0" smtClean="0"/>
+              <a:t> dei led postati sotto alle pale della ventola  viene sincronizzata la velocità della striscia grazie a una foto resistenza.</a:t>
+            </a:r>
+            <a:endParaRPr lang="it-CH" dirty="0"/>
+          </a:p>
+        </p:txBody>
+      </p:sp>
+      <p:sp>
+        <p:nvSpPr>
+          <p:cNvPr id="4" name="Segnaposto numero diapositiva 3"/>
+          <p:cNvSpPr>
+            <a:spLocks noGrp="1"/>
+          </p:cNvSpPr>
+          <p:nvPr>
+            <p:ph type="sldNum" sz="quarter" idx="10"/>
+          </p:nvPr>
+        </p:nvSpPr>
+        <p:spPr/>
+        <p:txBody>
+          <a:bodyPr/>
+          <a:lstStyle/>
+          <a:p>
+            <a:fld id="{2E509A67-DD3A-46B0-9320-287AC8901D53}" type="slidenum">
+              <a:rPr lang="it-CH" smtClean="0"/>
+              <a:t>13</a:t>
+            </a:fld>
+            <a:endParaRPr lang="it-CH"/>
+          </a:p>
+        </p:txBody>
+      </p:sp>
+    </p:spTree>
+    <p:extLst>
+      <p:ext uri="{BB962C8B-B14F-4D97-AF65-F5344CB8AC3E}">
+        <p14:creationId xmlns:p14="http://schemas.microsoft.com/office/powerpoint/2010/main" val="1002951762"/>
+      </p:ext>
+    </p:extLst>
+  </p:cSld>
+  <p:clrMapOvr>
+    <a:masterClrMapping/>
+  </p:clrMapOvr>
+</p:notes>
+</file>
+
+<file path=ppt/notesSlides/notesSlide13.xml><?xml version="1.0" encoding="utf-8"?>
+<p:notes xmlns:a="http://schemas.openxmlformats.org/drawingml/2006/main" xmlns:r="http://schemas.openxmlformats.org/officeDocument/2006/relationships" xmlns:p="http://schemas.openxmlformats.org/presentationml/2006/main">
+  <p:cSld>
+    <p:spTree>
+      <p:nvGrpSpPr>
+        <p:cNvPr id="1" name=""/>
+        <p:cNvGrpSpPr/>
+        <p:nvPr/>
+      </p:nvGrpSpPr>
+      <p:grpSpPr>
+        <a:xfrm>
+          <a:off x="0" y="0"/>
+          <a:ext cx="0" cy="0"/>
+          <a:chOff x="0" y="0"/>
+          <a:chExt cx="0" cy="0"/>
+        </a:xfrm>
+      </p:grpSpPr>
+      <p:sp>
+        <p:nvSpPr>
+          <p:cNvPr id="2" name="Segnaposto immagine diapositiva 1"/>
+          <p:cNvSpPr>
+            <a:spLocks noGrp="1" noRot="1" noChangeAspect="1"/>
+          </p:cNvSpPr>
+          <p:nvPr>
+            <p:ph type="sldImg"/>
+          </p:nvPr>
+        </p:nvSpPr>
+        <p:spPr/>
+      </p:sp>
+      <p:sp>
+        <p:nvSpPr>
+          <p:cNvPr id="3" name="Segnaposto note 2"/>
+          <p:cNvSpPr>
+            <a:spLocks noGrp="1"/>
+          </p:cNvSpPr>
+          <p:nvPr>
+            <p:ph type="body" idx="1"/>
+          </p:nvPr>
+        </p:nvSpPr>
+        <p:spPr/>
+        <p:txBody>
+          <a:bodyPr/>
+          <a:lstStyle/>
+          <a:p>
+            <a:endParaRPr lang="it-CH" dirty="0"/>
+          </a:p>
+        </p:txBody>
+      </p:sp>
+      <p:sp>
+        <p:nvSpPr>
+          <p:cNvPr id="4" name="Segnaposto numero diapositiva 3"/>
+          <p:cNvSpPr>
+            <a:spLocks noGrp="1"/>
+          </p:cNvSpPr>
+          <p:nvPr>
+            <p:ph type="sldNum" sz="quarter" idx="10"/>
+          </p:nvPr>
+        </p:nvSpPr>
+        <p:spPr/>
+        <p:txBody>
+          <a:bodyPr/>
+          <a:lstStyle/>
+          <a:p>
+            <a:fld id="{2E509A67-DD3A-46B0-9320-287AC8901D53}" type="slidenum">
+              <a:rPr lang="it-CH" smtClean="0"/>
+              <a:t>14</a:t>
+            </a:fld>
+            <a:endParaRPr lang="it-CH"/>
+          </a:p>
+        </p:txBody>
+      </p:sp>
+    </p:spTree>
+    <p:extLst>
+      <p:ext uri="{BB962C8B-B14F-4D97-AF65-F5344CB8AC3E}">
+        <p14:creationId xmlns:p14="http://schemas.microsoft.com/office/powerpoint/2010/main" val="1708912513"/>
+      </p:ext>
+    </p:extLst>
+  </p:cSld>
+  <p:clrMapOvr>
+    <a:masterClrMapping/>
+  </p:clrMapOvr>
+</p:notes>
+</file>
+
+<file path=ppt/notesSlides/notesSlide14.xml><?xml version="1.0" encoding="utf-8"?>
+<p:notes xmlns:a="http://schemas.openxmlformats.org/drawingml/2006/main" xmlns:r="http://schemas.openxmlformats.org/officeDocument/2006/relationships" xmlns:p="http://schemas.openxmlformats.org/presentationml/2006/main">
+  <p:cSld>
+    <p:spTree>
+      <p:nvGrpSpPr>
+        <p:cNvPr id="1" name=""/>
+        <p:cNvGrpSpPr/>
+        <p:nvPr/>
+      </p:nvGrpSpPr>
+      <p:grpSpPr>
+        <a:xfrm>
+          <a:off x="0" y="0"/>
+          <a:ext cx="0" cy="0"/>
+          <a:chOff x="0" y="0"/>
+          <a:chExt cx="0" cy="0"/>
+        </a:xfrm>
+      </p:grpSpPr>
+      <p:sp>
+        <p:nvSpPr>
+          <p:cNvPr id="2" name="Segnaposto immagine diapositiva 1"/>
+          <p:cNvSpPr>
+            <a:spLocks noGrp="1" noRot="1" noChangeAspect="1"/>
+          </p:cNvSpPr>
+          <p:nvPr>
+            <p:ph type="sldImg"/>
+          </p:nvPr>
+        </p:nvSpPr>
+        <p:spPr/>
+      </p:sp>
+      <p:sp>
+        <p:nvSpPr>
+          <p:cNvPr id="3" name="Segnaposto note 2"/>
+          <p:cNvSpPr>
+            <a:spLocks noGrp="1"/>
+          </p:cNvSpPr>
+          <p:nvPr>
+            <p:ph type="body" idx="1"/>
+          </p:nvPr>
+        </p:nvSpPr>
+        <p:spPr/>
+        <p:txBody>
+          <a:bodyPr/>
+          <a:lstStyle/>
+          <a:p>
+            <a:endParaRPr lang="it-CH" dirty="0"/>
+          </a:p>
+        </p:txBody>
+      </p:sp>
+      <p:sp>
+        <p:nvSpPr>
+          <p:cNvPr id="4" name="Segnaposto numero diapositiva 3"/>
+          <p:cNvSpPr>
+            <a:spLocks noGrp="1"/>
+          </p:cNvSpPr>
+          <p:nvPr>
+            <p:ph type="sldNum" sz="quarter" idx="10"/>
+          </p:nvPr>
+        </p:nvSpPr>
+        <p:spPr/>
+        <p:txBody>
+          <a:bodyPr/>
+          <a:lstStyle/>
+          <a:p>
+            <a:fld id="{2E509A67-DD3A-46B0-9320-287AC8901D53}" type="slidenum">
+              <a:rPr lang="it-CH" smtClean="0"/>
+              <a:t>15</a:t>
+            </a:fld>
+            <a:endParaRPr lang="it-CH"/>
+          </a:p>
+        </p:txBody>
+      </p:sp>
+    </p:spTree>
+    <p:extLst>
+      <p:ext uri="{BB962C8B-B14F-4D97-AF65-F5344CB8AC3E}">
+        <p14:creationId xmlns:p14="http://schemas.microsoft.com/office/powerpoint/2010/main" val="857526774"/>
+      </p:ext>
+    </p:extLst>
+  </p:cSld>
+  <p:clrMapOvr>
+    <a:masterClrMapping/>
+  </p:clrMapOvr>
+</p:notes>
+</file>
+
+<file path=ppt/notesSlides/notesSlide15.xml><?xml version="1.0" encoding="utf-8"?>
+<p:notes xmlns:a="http://schemas.openxmlformats.org/drawingml/2006/main" xmlns:r="http://schemas.openxmlformats.org/officeDocument/2006/relationships" xmlns:p="http://schemas.openxmlformats.org/presentationml/2006/main">
+  <p:cSld>
+    <p:spTree>
+      <p:nvGrpSpPr>
+        <p:cNvPr id="1" name=""/>
+        <p:cNvGrpSpPr/>
+        <p:nvPr/>
+      </p:nvGrpSpPr>
+      <p:grpSpPr>
+        <a:xfrm>
+          <a:off x="0" y="0"/>
+          <a:ext cx="0" cy="0"/>
+          <a:chOff x="0" y="0"/>
+          <a:chExt cx="0" cy="0"/>
+        </a:xfrm>
+      </p:grpSpPr>
+      <p:sp>
+        <p:nvSpPr>
+          <p:cNvPr id="2" name="Segnaposto immagine diapositiva 1"/>
+          <p:cNvSpPr>
+            <a:spLocks noGrp="1" noRot="1" noChangeAspect="1"/>
+          </p:cNvSpPr>
+          <p:nvPr>
+            <p:ph type="sldImg"/>
+          </p:nvPr>
+        </p:nvSpPr>
+        <p:spPr/>
+      </p:sp>
+      <p:sp>
+        <p:nvSpPr>
+          <p:cNvPr id="3" name="Segnaposto note 2"/>
+          <p:cNvSpPr>
+            <a:spLocks noGrp="1"/>
+          </p:cNvSpPr>
+          <p:nvPr>
+            <p:ph type="body" idx="1"/>
+          </p:nvPr>
+        </p:nvSpPr>
+        <p:spPr/>
+        <p:txBody>
+          <a:bodyPr/>
+          <a:lstStyle/>
+          <a:p>
+            <a:endParaRPr lang="it-CH" dirty="0"/>
+          </a:p>
+        </p:txBody>
+      </p:sp>
+      <p:sp>
+        <p:nvSpPr>
+          <p:cNvPr id="4" name="Segnaposto numero diapositiva 3"/>
+          <p:cNvSpPr>
+            <a:spLocks noGrp="1"/>
+          </p:cNvSpPr>
+          <p:nvPr>
+            <p:ph type="sldNum" sz="quarter" idx="10"/>
+          </p:nvPr>
+        </p:nvSpPr>
+        <p:spPr/>
+        <p:txBody>
+          <a:bodyPr/>
+          <a:lstStyle/>
+          <a:p>
+            <a:fld id="{2E509A67-DD3A-46B0-9320-287AC8901D53}" type="slidenum">
+              <a:rPr lang="it-CH" smtClean="0"/>
+              <a:t>16</a:t>
             </a:fld>
             <a:endParaRPr lang="it-CH"/>
           </a:p>
@@ -3479,7 +3861,15 @@
             </a:pPr>
             <a:r>
               <a:rPr lang="it-IT" dirty="0" smtClean="0"/>
-              <a:t>Lo scopo di questo progetto è di creare un orologio che sfrutta la persistenza della retina dell’occhio in Arduino che mostrerà l’ora, la data e dei brevi messaggi a scelta.</a:t>
+              <a:t>Lo scopo di questo progetto è di creare una</a:t>
+            </a:r>
+            <a:r>
+              <a:rPr lang="it-IT" baseline="0" dirty="0" smtClean="0"/>
+              <a:t> ventola </a:t>
+            </a:r>
+            <a:r>
+              <a:rPr lang="it-IT" dirty="0" smtClean="0"/>
+              <a:t>che sfrutta la persistenza della retina dell’occhio che mostrerà l’ora, la data e dei brevi messaggi a scelta.</a:t>
             </a:r>
             <a:endParaRPr lang="it-CH" dirty="0" smtClean="0"/>
           </a:p>
@@ -3682,7 +4072,7 @@
     </p:spTree>
     <p:extLst>
       <p:ext uri="{BB962C8B-B14F-4D97-AF65-F5344CB8AC3E}">
-        <p14:creationId xmlns:p14="http://schemas.microsoft.com/office/powerpoint/2010/main" val="3774082614"/>
+        <p14:creationId xmlns:p14="http://schemas.microsoft.com/office/powerpoint/2010/main" val="2928265818"/>
       </p:ext>
     </p:extLst>
   </p:cSld>
@@ -3766,7 +4156,7 @@
     </p:spTree>
     <p:extLst>
       <p:ext uri="{BB962C8B-B14F-4D97-AF65-F5344CB8AC3E}">
-        <p14:creationId xmlns:p14="http://schemas.microsoft.com/office/powerpoint/2010/main" val="3431502204"/>
+        <p14:creationId xmlns:p14="http://schemas.microsoft.com/office/powerpoint/2010/main" val="3774082614"/>
       </p:ext>
     </p:extLst>
   </p:cSld>
@@ -3820,21 +4210,6 @@
           <a:bodyPr/>
           <a:lstStyle/>
           <a:p>
-            <a:r>
-              <a:rPr lang="it-IT" dirty="0" smtClean="0"/>
-              <a:t>//metodo che riceve il carattere per cui si ritornerà la posizione nell'array</a:t>
-            </a:r>
-          </a:p>
-          <a:p>
-            <a:r>
-              <a:rPr lang="it-IT" dirty="0" smtClean="0"/>
-              <a:t>//se il carattere non c'è nell'array verrà ritornato un numero negativo</a:t>
-            </a:r>
-          </a:p>
-          <a:p>
-            <a:endParaRPr lang="it-IT" dirty="0" smtClean="0"/>
-          </a:p>
-          <a:p>
             <a:endParaRPr lang="it-CH" dirty="0"/>
           </a:p>
         </p:txBody>
@@ -3865,7 +4240,7 @@
     </p:spTree>
     <p:extLst>
       <p:ext uri="{BB962C8B-B14F-4D97-AF65-F5344CB8AC3E}">
-        <p14:creationId xmlns:p14="http://schemas.microsoft.com/office/powerpoint/2010/main" val="357490834"/>
+        <p14:creationId xmlns:p14="http://schemas.microsoft.com/office/powerpoint/2010/main" val="3431502204"/>
       </p:ext>
     </p:extLst>
   </p:cSld>
@@ -3921,16 +4296,17 @@
           <a:p>
             <a:r>
               <a:rPr lang="it-IT" dirty="0" smtClean="0"/>
-              <a:t>//metodo per </a:t>
+              <a:t>//metodo che riceve il carattere per cui si ritornerà la posizione nell'array</a:t>
             </a:r>
-            <a:r>
-              <a:rPr lang="it-IT" dirty="0" err="1" smtClean="0"/>
-              <a:t>acendere</a:t>
-            </a:r>
+          </a:p>
+          <a:p>
             <a:r>
               <a:rPr lang="it-IT" dirty="0" smtClean="0"/>
-              <a:t> un certo numero di led</a:t>
+              <a:t>//se il carattere non c'è nell'array verrà ritornato un numero negativo</a:t>
             </a:r>
+          </a:p>
+          <a:p>
+            <a:endParaRPr lang="it-IT" dirty="0" smtClean="0"/>
           </a:p>
           <a:p>
             <a:endParaRPr lang="it-CH" dirty="0"/>
@@ -3963,7 +4339,7 @@
     </p:spTree>
     <p:extLst>
       <p:ext uri="{BB962C8B-B14F-4D97-AF65-F5344CB8AC3E}">
-        <p14:creationId xmlns:p14="http://schemas.microsoft.com/office/powerpoint/2010/main" val="4191231248"/>
+        <p14:creationId xmlns:p14="http://schemas.microsoft.com/office/powerpoint/2010/main" val="357490834"/>
       </p:ext>
     </p:extLst>
   </p:cSld>
@@ -4017,6 +4393,20 @@
           <a:bodyPr/>
           <a:lstStyle/>
           <a:p>
+            <a:r>
+              <a:rPr lang="it-IT" dirty="0" smtClean="0"/>
+              <a:t>//metodo per </a:t>
+            </a:r>
+            <a:r>
+              <a:rPr lang="it-IT" dirty="0" err="1" smtClean="0"/>
+              <a:t>acendere</a:t>
+            </a:r>
+            <a:r>
+              <a:rPr lang="it-IT" dirty="0" smtClean="0"/>
+              <a:t> un certo numero di led</a:t>
+            </a:r>
+          </a:p>
+          <a:p>
             <a:endParaRPr lang="it-CH" dirty="0"/>
           </a:p>
         </p:txBody>
@@ -4047,7 +4437,7 @@
     </p:spTree>
     <p:extLst>
       <p:ext uri="{BB962C8B-B14F-4D97-AF65-F5344CB8AC3E}">
-        <p14:creationId xmlns:p14="http://schemas.microsoft.com/office/powerpoint/2010/main" val="857526774"/>
+        <p14:creationId xmlns:p14="http://schemas.microsoft.com/office/powerpoint/2010/main" val="4191231248"/>
       </p:ext>
     </p:extLst>
   </p:cSld>
@@ -4283,7 +4673,7 @@
           <a:p>
             <a:fld id="{05B3BCD7-5741-4AFA-8A1E-A610F90F8799}" type="datetimeFigureOut">
               <a:rPr lang="it-CH" smtClean="0"/>
-              <a:t>19.01.2018</a:t>
+              <a:t>09.03.2018</a:t>
             </a:fld>
             <a:endParaRPr lang="it-CH"/>
           </a:p>
@@ -4491,7 +4881,7 @@
           <a:p>
             <a:fld id="{05B3BCD7-5741-4AFA-8A1E-A610F90F8799}" type="datetimeFigureOut">
               <a:rPr lang="it-CH" smtClean="0"/>
-              <a:t>19.01.2018</a:t>
+              <a:t>09.03.2018</a:t>
             </a:fld>
             <a:endParaRPr lang="it-CH"/>
           </a:p>
@@ -4747,7 +5137,7 @@
           <a:p>
             <a:fld id="{05B3BCD7-5741-4AFA-8A1E-A610F90F8799}" type="datetimeFigureOut">
               <a:rPr lang="it-CH" smtClean="0"/>
-              <a:t>19.01.2018</a:t>
+              <a:t>09.03.2018</a:t>
             </a:fld>
             <a:endParaRPr lang="it-CH"/>
           </a:p>
@@ -4921,7 +5311,7 @@
           <a:p>
             <a:fld id="{05B3BCD7-5741-4AFA-8A1E-A610F90F8799}" type="datetimeFigureOut">
               <a:rPr lang="it-CH" smtClean="0"/>
-              <a:t>19.01.2018</a:t>
+              <a:t>09.03.2018</a:t>
             </a:fld>
             <a:endParaRPr lang="it-CH"/>
           </a:p>
@@ -5264,7 +5654,7 @@
           <a:p>
             <a:fld id="{05B3BCD7-5741-4AFA-8A1E-A610F90F8799}" type="datetimeFigureOut">
               <a:rPr lang="it-CH" smtClean="0"/>
-              <a:t>19.01.2018</a:t>
+              <a:t>09.03.2018</a:t>
             </a:fld>
             <a:endParaRPr lang="it-CH"/>
           </a:p>
@@ -5539,7 +5929,7 @@
           <a:p>
             <a:fld id="{05B3BCD7-5741-4AFA-8A1E-A610F90F8799}" type="datetimeFigureOut">
               <a:rPr lang="it-CH" smtClean="0"/>
-              <a:t>19.01.2018</a:t>
+              <a:t>09.03.2018</a:t>
             </a:fld>
             <a:endParaRPr lang="it-CH"/>
           </a:p>
@@ -5918,7 +6308,7 @@
           <a:p>
             <a:fld id="{05B3BCD7-5741-4AFA-8A1E-A610F90F8799}" type="datetimeFigureOut">
               <a:rPr lang="it-CH" smtClean="0"/>
-              <a:t>19.01.2018</a:t>
+              <a:t>09.03.2018</a:t>
             </a:fld>
             <a:endParaRPr lang="it-CH"/>
           </a:p>
@@ -6036,7 +6426,7 @@
           <a:p>
             <a:fld id="{05B3BCD7-5741-4AFA-8A1E-A610F90F8799}" type="datetimeFigureOut">
               <a:rPr lang="it-CH" smtClean="0"/>
-              <a:t>19.01.2018</a:t>
+              <a:t>09.03.2018</a:t>
             </a:fld>
             <a:endParaRPr lang="it-CH"/>
           </a:p>
@@ -6207,7 +6597,7 @@
           <a:p>
             <a:fld id="{05B3BCD7-5741-4AFA-8A1E-A610F90F8799}" type="datetimeFigureOut">
               <a:rPr lang="it-CH" smtClean="0"/>
-              <a:t>19.01.2018</a:t>
+              <a:t>09.03.2018</a:t>
             </a:fld>
             <a:endParaRPr lang="it-CH"/>
           </a:p>
@@ -6561,7 +6951,7 @@
           <a:p>
             <a:fld id="{05B3BCD7-5741-4AFA-8A1E-A610F90F8799}" type="datetimeFigureOut">
               <a:rPr lang="it-CH" smtClean="0"/>
-              <a:t>19.01.2018</a:t>
+              <a:t>09.03.2018</a:t>
             </a:fld>
             <a:endParaRPr lang="it-CH"/>
           </a:p>
@@ -6943,7 +7333,7 @@
           <a:p>
             <a:fld id="{05B3BCD7-5741-4AFA-8A1E-A610F90F8799}" type="datetimeFigureOut">
               <a:rPr lang="it-CH" smtClean="0"/>
-              <a:t>19.01.2018</a:t>
+              <a:t>09.03.2018</a:t>
             </a:fld>
             <a:endParaRPr lang="it-CH"/>
           </a:p>
@@ -7230,7 +7620,7 @@
           <a:p>
             <a:fld id="{05B3BCD7-5741-4AFA-8A1E-A610F90F8799}" type="datetimeFigureOut">
               <a:rPr lang="it-CH" smtClean="0"/>
-              <a:t>19.01.2018</a:t>
+              <a:t>09.03.2018</a:t>
             </a:fld>
             <a:endParaRPr lang="it-CH"/>
           </a:p>
@@ -7778,11 +8168,7 @@
             </a:br>
             <a:r>
               <a:rPr lang="it-CH" dirty="0" smtClean="0"/>
-              <a:t>progetto </a:t>
-            </a:r>
-            <a:r>
-              <a:rPr lang="it-CH" dirty="0" smtClean="0"/>
-              <a:t>2</a:t>
+              <a:t>progetto 2</a:t>
             </a:r>
             <a:endParaRPr lang="it-CH" dirty="0"/>
           </a:p>
@@ -7812,16 +8198,11 @@
               <a:rPr lang="it-CH" dirty="0" smtClean="0"/>
               <a:t>Fan-Clock</a:t>
             </a:r>
-            <a:endParaRPr lang="it-CH" dirty="0" smtClean="0"/>
           </a:p>
           <a:p>
             <a:r>
               <a:rPr lang="it-CH" dirty="0" smtClean="0"/>
-              <a:t>DI Igor, Nemanja, Luca e </a:t>
-            </a:r>
-            <a:r>
-              <a:rPr lang="it-CH" dirty="0" smtClean="0"/>
-              <a:t>Diana</a:t>
+              <a:t>DI Igor, Nemanja, Luca e Diana</a:t>
             </a:r>
             <a:endParaRPr lang="it-CH" dirty="0"/>
           </a:p>
@@ -7886,19 +8267,14 @@
             <p:ph type="title"/>
           </p:nvPr>
         </p:nvSpPr>
-        <p:spPr>
-          <a:xfrm>
-            <a:off x="1097280" y="0"/>
-            <a:ext cx="10058400" cy="1450757"/>
-          </a:xfrm>
-        </p:spPr>
+        <p:spPr/>
         <p:txBody>
           <a:bodyPr/>
           <a:lstStyle/>
           <a:p>
             <a:r>
               <a:rPr lang="it-CH" dirty="0" smtClean="0"/>
-              <a:t>Test</a:t>
+              <a:t>Implementazione</a:t>
             </a:r>
             <a:endParaRPr lang="it-CH" dirty="0"/>
           </a:p>
@@ -7906,7 +8282,7 @@
       </p:sp>
       <p:pic>
         <p:nvPicPr>
-          <p:cNvPr id="10" name="Immagine 9"/>
+          <p:cNvPr id="3" name="Immagine 2"/>
           <p:cNvPicPr>
             <a:picLocks noChangeAspect="1"/>
           </p:cNvPicPr>
@@ -7920,8 +8296,8 @@
         </p:blipFill>
         <p:spPr>
           <a:xfrm>
-            <a:off x="1097280" y="2019300"/>
-            <a:ext cx="10058400" cy="3867150"/>
+            <a:off x="2426017" y="1898022"/>
+            <a:ext cx="7400925" cy="3933825"/>
           </a:xfrm>
           <a:prstGeom prst="rect">
             <a:avLst/>
@@ -7931,29 +8307,96 @@
     </p:spTree>
     <p:extLst>
       <p:ext uri="{BB962C8B-B14F-4D97-AF65-F5344CB8AC3E}">
-        <p14:creationId xmlns:p14="http://schemas.microsoft.com/office/powerpoint/2010/main" val="3363187758"/>
+        <p14:creationId xmlns:p14="http://schemas.microsoft.com/office/powerpoint/2010/main" val="4269347480"/>
       </p:ext>
     </p:extLst>
   </p:cSld>
   <p:clrMapOvr>
     <a:masterClrMapping/>
   </p:clrMapOvr>
-  <mc:AlternateContent xmlns:mc="http://schemas.openxmlformats.org/markup-compatibility/2006" xmlns:p14="http://schemas.microsoft.com/office/powerpoint/2010/main">
-    <mc:Choice Requires="p14">
-      <p:transition spd="med" p14:dur="700">
-        <p:fade/>
-      </p:transition>
-    </mc:Choice>
-    <mc:Fallback xmlns="">
-      <p:transition spd="med">
-        <p:fade/>
-      </p:transition>
-    </mc:Fallback>
-  </mc:AlternateContent>
+  <p:transition spd="slow">
+    <p:push/>
+  </p:transition>
   <p:timing>
     <p:tnLst>
       <p:par>
-        <p:cTn id="1" dur="indefinite" restart="never" nodeType="tmRoot"/>
+        <p:cTn id="1" dur="indefinite" restart="never" nodeType="tmRoot">
+          <p:childTnLst>
+            <p:seq concurrent="1" nextAc="seek">
+              <p:cTn id="2" dur="indefinite" nodeType="mainSeq">
+                <p:childTnLst>
+                  <p:par>
+                    <p:cTn id="3" fill="hold">
+                      <p:stCondLst>
+                        <p:cond delay="indefinite"/>
+                      </p:stCondLst>
+                      <p:childTnLst>
+                        <p:par>
+                          <p:cTn id="4" fill="hold">
+                            <p:stCondLst>
+                              <p:cond delay="0"/>
+                            </p:stCondLst>
+                            <p:childTnLst>
+                              <p:par>
+                                <p:cTn id="5" presetID="22" presetClass="entr" presetSubtype="1" fill="hold" nodeType="clickEffect">
+                                  <p:stCondLst>
+                                    <p:cond delay="0"/>
+                                  </p:stCondLst>
+                                  <p:childTnLst>
+                                    <p:set>
+                                      <p:cBhvr>
+                                        <p:cTn id="6" dur="1" fill="hold">
+                                          <p:stCondLst>
+                                            <p:cond delay="0"/>
+                                          </p:stCondLst>
+                                        </p:cTn>
+                                        <p:tgtEl>
+                                          <p:spTgt spid="3"/>
+                                        </p:tgtEl>
+                                        <p:attrNameLst>
+                                          <p:attrName>style.visibility</p:attrName>
+                                        </p:attrNameLst>
+                                      </p:cBhvr>
+                                      <p:to>
+                                        <p:strVal val="visible"/>
+                                      </p:to>
+                                    </p:set>
+                                    <p:animEffect transition="in" filter="wipe(up)">
+                                      <p:cBhvr>
+                                        <p:cTn id="7" dur="500"/>
+                                        <p:tgtEl>
+                                          <p:spTgt spid="3"/>
+                                        </p:tgtEl>
+                                      </p:cBhvr>
+                                    </p:animEffect>
+                                  </p:childTnLst>
+                                </p:cTn>
+                              </p:par>
+                            </p:childTnLst>
+                          </p:cTn>
+                        </p:par>
+                      </p:childTnLst>
+                    </p:cTn>
+                  </p:par>
+                </p:childTnLst>
+              </p:cTn>
+              <p:prevCondLst>
+                <p:cond evt="onPrev" delay="0">
+                  <p:tgtEl>
+                    <p:sldTgt/>
+                  </p:tgtEl>
+                </p:cond>
+              </p:prevCondLst>
+              <p:nextCondLst>
+                <p:cond evt="onNext" delay="0">
+                  <p:tgtEl>
+                    <p:sldTgt/>
+                  </p:tgtEl>
+                </p:cond>
+              </p:nextCondLst>
+            </p:seq>
+          </p:childTnLst>
+        </p:cTn>
       </p:par>
     </p:tnLst>
   </p:timing>
@@ -7987,104 +8430,385 @@
             <p:ph type="title"/>
           </p:nvPr>
         </p:nvSpPr>
+        <p:spPr/>
+        <p:txBody>
+          <a:bodyPr/>
+          <a:lstStyle/>
+          <a:p>
+            <a:r>
+              <a:rPr lang="it-CH" dirty="0" smtClean="0"/>
+              <a:t>Implementazione</a:t>
+            </a:r>
+            <a:endParaRPr lang="it-CH" dirty="0"/>
+          </a:p>
+        </p:txBody>
+      </p:sp>
+      <p:sp>
+        <p:nvSpPr>
+          <p:cNvPr id="3" name="Segnaposto contenuto 2"/>
+          <p:cNvSpPr>
+            <a:spLocks noGrp="1"/>
+          </p:cNvSpPr>
+          <p:nvPr>
+            <p:ph sz="half" idx="1"/>
+          </p:nvPr>
+        </p:nvSpPr>
         <p:spPr>
           <a:xfrm>
-            <a:off x="1097280" y="0"/>
-            <a:ext cx="10058400" cy="1450757"/>
+            <a:off x="1211579" y="2058856"/>
+            <a:ext cx="4823459" cy="3810238"/>
           </a:xfrm>
         </p:spPr>
         <p:txBody>
           <a:bodyPr/>
           <a:lstStyle/>
           <a:p>
+            <a:pPr>
+              <a:buFont typeface="Courier New" panose="02070309020205020404" pitchFamily="49" charset="0"/>
+              <a:buChar char="o"/>
+            </a:pPr>
             <a:r>
               <a:rPr lang="it-CH" dirty="0" smtClean="0"/>
-              <a:t>Risultato</a:t>
+              <a:t> Adafruit </a:t>
+            </a:r>
+            <a:r>
+              <a:rPr lang="it-CH" dirty="0" err="1" smtClean="0"/>
+              <a:t>NeoPixel</a:t>
+            </a:r>
+            <a:r>
+              <a:rPr lang="it-CH" dirty="0"/>
+              <a:t> </a:t>
+            </a:r>
+            <a:r>
+              <a:rPr lang="it-CH" dirty="0" smtClean="0"/>
+              <a:t>LED </a:t>
             </a:r>
             <a:endParaRPr lang="it-CH" dirty="0"/>
           </a:p>
+          <a:p>
+            <a:pPr>
+              <a:buFont typeface="Courier New" panose="02070309020205020404" pitchFamily="49" charset="0"/>
+              <a:buChar char="o"/>
+            </a:pPr>
+            <a:r>
+              <a:rPr lang="it-CH" dirty="0" smtClean="0"/>
+              <a:t> Fino a 400 [Hz]</a:t>
+            </a:r>
+          </a:p>
+          <a:p>
+            <a:pPr>
+              <a:buFont typeface="Courier New" panose="02070309020205020404" pitchFamily="49" charset="0"/>
+              <a:buChar char="o"/>
+            </a:pPr>
+            <a:endParaRPr lang="it-CH" dirty="0" smtClean="0"/>
+          </a:p>
         </p:txBody>
       </p:sp>
-      <p:sp>
-        <p:nvSpPr>
-          <p:cNvPr id="5" name="Rettangolo 4"/>
-          <p:cNvSpPr/>
+      <p:pic>
+        <p:nvPicPr>
+          <p:cNvPr id="2050" name="Picture 2" descr="Risultati immagini per adafruit neopixel led"/>
+          <p:cNvPicPr>
+            <a:picLocks noChangeAspect="1" noChangeArrowheads="1"/>
+          </p:cNvPicPr>
           <p:nvPr/>
-        </p:nvSpPr>
-        <p:spPr>
+        </p:nvPicPr>
+        <p:blipFill>
+          <a:blip r:embed="rId3" cstate="print">
+            <a:extLst>
+              <a:ext uri="{28A0092B-C50C-407E-A947-70E740481C1C}">
+                <a14:useLocalDpi xmlns:a14="http://schemas.microsoft.com/office/drawing/2010/main" val="0"/>
+              </a:ext>
+            </a:extLst>
+          </a:blip>
+          <a:srcRect/>
+          <a:stretch>
+            <a:fillRect/>
+          </a:stretch>
+        </p:blipFill>
+        <p:spPr bwMode="auto">
           <a:xfrm>
-            <a:off x="4810968" y="3244334"/>
-            <a:ext cx="2570063" cy="369332"/>
+            <a:off x="6359525" y="1936936"/>
+            <a:ext cx="4796155" cy="3597116"/>
           </a:xfrm>
           <a:prstGeom prst="rect">
             <a:avLst/>
           </a:prstGeom>
-        </p:spPr>
-        <p:txBody>
-          <a:bodyPr wrap="none">
-            <a:spAutoFit/>
-          </a:bodyPr>
-          <a:lstStyle/>
-          <a:p>
-            <a:pPr lvl="0"/>
-            <a:r>
-              <a:rPr lang="it-CH" dirty="0"/>
-              <a:t>Sincronizzazione con i led</a:t>
-            </a:r>
-            <a:endParaRPr lang="it-CH" dirty="0"/>
-          </a:p>
-        </p:txBody>
-      </p:sp>
-      <p:pic>
-        <p:nvPicPr>
-          <p:cNvPr id="6" name="Immagine 5"/>
-          <p:cNvPicPr>
-            <a:picLocks noChangeAspect="1"/>
-          </p:cNvPicPr>
-          <p:nvPr/>
-        </p:nvPicPr>
-        <p:blipFill>
-          <a:blip r:embed="rId3"/>
-          <a:stretch>
-            <a:fillRect/>
-          </a:stretch>
-        </p:blipFill>
-        <p:spPr>
-          <a:xfrm>
-            <a:off x="3283267" y="1843087"/>
-            <a:ext cx="5686425" cy="4276725"/>
-          </a:xfrm>
-          <a:prstGeom prst="rect">
-            <a:avLst/>
-          </a:prstGeom>
+          <a:noFill/>
+          <a:extLst>
+            <a:ext uri="{909E8E84-426E-40DD-AFC4-6F175D3DCCD1}">
+              <a14:hiddenFill xmlns:a14="http://schemas.microsoft.com/office/drawing/2010/main">
+                <a:solidFill>
+                  <a:srgbClr val="FFFFFF"/>
+                </a:solidFill>
+              </a14:hiddenFill>
+            </a:ext>
+          </a:extLst>
         </p:spPr>
       </p:pic>
     </p:spTree>
     <p:extLst>
       <p:ext uri="{BB962C8B-B14F-4D97-AF65-F5344CB8AC3E}">
-        <p14:creationId xmlns:p14="http://schemas.microsoft.com/office/powerpoint/2010/main" val="2197318995"/>
+        <p14:creationId xmlns:p14="http://schemas.microsoft.com/office/powerpoint/2010/main" val="204543777"/>
       </p:ext>
     </p:extLst>
   </p:cSld>
   <p:clrMapOvr>
     <a:masterClrMapping/>
   </p:clrMapOvr>
-  <mc:AlternateContent xmlns:mc="http://schemas.openxmlformats.org/markup-compatibility/2006">
-    <mc:Choice xmlns:p14="http://schemas.microsoft.com/office/powerpoint/2010/main" Requires="p14">
-      <p:transition spd="med" p14:dur="700">
-        <p:fade/>
-      </p:transition>
-    </mc:Choice>
-    <mc:Fallback>
-      <p:transition spd="med">
-        <p:fade/>
-      </p:transition>
-    </mc:Fallback>
-  </mc:AlternateContent>
+  <p:transition spd="slow">
+    <p:push/>
+  </p:transition>
   <p:timing>
     <p:tnLst>
       <p:par>
-        <p:cTn id="1" dur="indefinite" restart="never" nodeType="tmRoot"/>
+        <p:cTn id="1" dur="indefinite" restart="never" nodeType="tmRoot">
+          <p:childTnLst>
+            <p:seq concurrent="1" nextAc="seek">
+              <p:cTn id="2" dur="indefinite" nodeType="mainSeq">
+                <p:childTnLst>
+                  <p:par>
+                    <p:cTn id="3" fill="hold">
+                      <p:stCondLst>
+                        <p:cond delay="indefinite"/>
+                        <p:cond evt="onBegin" delay="0">
+                          <p:tn val="2"/>
+                        </p:cond>
+                      </p:stCondLst>
+                      <p:childTnLst>
+                        <p:par>
+                          <p:cTn id="4" fill="hold">
+                            <p:stCondLst>
+                              <p:cond delay="0"/>
+                            </p:stCondLst>
+                            <p:childTnLst>
+                              <p:par>
+                                <p:cTn id="5" presetID="42" presetClass="entr" presetSubtype="0" fill="hold" nodeType="afterEffect">
+                                  <p:stCondLst>
+                                    <p:cond delay="0"/>
+                                  </p:stCondLst>
+                                  <p:childTnLst>
+                                    <p:set>
+                                      <p:cBhvr>
+                                        <p:cTn id="6" dur="1" fill="hold">
+                                          <p:stCondLst>
+                                            <p:cond delay="0"/>
+                                          </p:stCondLst>
+                                        </p:cTn>
+                                        <p:tgtEl>
+                                          <p:spTgt spid="3">
+                                            <p:txEl>
+                                              <p:pRg st="0" end="0"/>
+                                            </p:txEl>
+                                          </p:spTgt>
+                                        </p:tgtEl>
+                                        <p:attrNameLst>
+                                          <p:attrName>style.visibility</p:attrName>
+                                        </p:attrNameLst>
+                                      </p:cBhvr>
+                                      <p:to>
+                                        <p:strVal val="visible"/>
+                                      </p:to>
+                                    </p:set>
+                                    <p:animEffect transition="in" filter="fade">
+                                      <p:cBhvr>
+                                        <p:cTn id="7" dur="1000"/>
+                                        <p:tgtEl>
+                                          <p:spTgt spid="3">
+                                            <p:txEl>
+                                              <p:pRg st="0" end="0"/>
+                                            </p:txEl>
+                                          </p:spTgt>
+                                        </p:tgtEl>
+                                      </p:cBhvr>
+                                    </p:animEffect>
+                                    <p:anim calcmode="lin" valueType="num">
+                                      <p:cBhvr>
+                                        <p:cTn id="8" dur="1000" fill="hold"/>
+                                        <p:tgtEl>
+                                          <p:spTgt spid="3">
+                                            <p:txEl>
+                                              <p:pRg st="0" end="0"/>
+                                            </p:txEl>
+                                          </p:spTgt>
+                                        </p:tgtEl>
+                                        <p:attrNameLst>
+                                          <p:attrName>ppt_x</p:attrName>
+                                        </p:attrNameLst>
+                                      </p:cBhvr>
+                                      <p:tavLst>
+                                        <p:tav tm="0">
+                                          <p:val>
+                                            <p:strVal val="#ppt_x"/>
+                                          </p:val>
+                                        </p:tav>
+                                        <p:tav tm="100000">
+                                          <p:val>
+                                            <p:strVal val="#ppt_x"/>
+                                          </p:val>
+                                        </p:tav>
+                                      </p:tavLst>
+                                    </p:anim>
+                                    <p:anim calcmode="lin" valueType="num">
+                                      <p:cBhvr>
+                                        <p:cTn id="9" dur="1000" fill="hold"/>
+                                        <p:tgtEl>
+                                          <p:spTgt spid="3">
+                                            <p:txEl>
+                                              <p:pRg st="0" end="0"/>
+                                            </p:txEl>
+                                          </p:spTgt>
+                                        </p:tgtEl>
+                                        <p:attrNameLst>
+                                          <p:attrName>ppt_y</p:attrName>
+                                        </p:attrNameLst>
+                                      </p:cBhvr>
+                                      <p:tavLst>
+                                        <p:tav tm="0">
+                                          <p:val>
+                                            <p:strVal val="#ppt_y+.1"/>
+                                          </p:val>
+                                        </p:tav>
+                                        <p:tav tm="100000">
+                                          <p:val>
+                                            <p:strVal val="#ppt_y"/>
+                                          </p:val>
+                                        </p:tav>
+                                      </p:tavLst>
+                                    </p:anim>
+                                  </p:childTnLst>
+                                </p:cTn>
+                              </p:par>
+                            </p:childTnLst>
+                          </p:cTn>
+                        </p:par>
+                        <p:par>
+                          <p:cTn id="10" fill="hold">
+                            <p:stCondLst>
+                              <p:cond delay="1000"/>
+                            </p:stCondLst>
+                            <p:childTnLst>
+                              <p:par>
+                                <p:cTn id="11" presetID="42" presetClass="entr" presetSubtype="0" fill="hold" nodeType="afterEffect">
+                                  <p:stCondLst>
+                                    <p:cond delay="0"/>
+                                  </p:stCondLst>
+                                  <p:childTnLst>
+                                    <p:set>
+                                      <p:cBhvr>
+                                        <p:cTn id="12" dur="1" fill="hold">
+                                          <p:stCondLst>
+                                            <p:cond delay="0"/>
+                                          </p:stCondLst>
+                                        </p:cTn>
+                                        <p:tgtEl>
+                                          <p:spTgt spid="3">
+                                            <p:txEl>
+                                              <p:pRg st="1" end="1"/>
+                                            </p:txEl>
+                                          </p:spTgt>
+                                        </p:tgtEl>
+                                        <p:attrNameLst>
+                                          <p:attrName>style.visibility</p:attrName>
+                                        </p:attrNameLst>
+                                      </p:cBhvr>
+                                      <p:to>
+                                        <p:strVal val="visible"/>
+                                      </p:to>
+                                    </p:set>
+                                    <p:animEffect transition="in" filter="fade">
+                                      <p:cBhvr>
+                                        <p:cTn id="13" dur="1000"/>
+                                        <p:tgtEl>
+                                          <p:spTgt spid="3">
+                                            <p:txEl>
+                                              <p:pRg st="1" end="1"/>
+                                            </p:txEl>
+                                          </p:spTgt>
+                                        </p:tgtEl>
+                                      </p:cBhvr>
+                                    </p:animEffect>
+                                    <p:anim calcmode="lin" valueType="num">
+                                      <p:cBhvr>
+                                        <p:cTn id="14" dur="1000" fill="hold"/>
+                                        <p:tgtEl>
+                                          <p:spTgt spid="3">
+                                            <p:txEl>
+                                              <p:pRg st="1" end="1"/>
+                                            </p:txEl>
+                                          </p:spTgt>
+                                        </p:tgtEl>
+                                        <p:attrNameLst>
+                                          <p:attrName>ppt_x</p:attrName>
+                                        </p:attrNameLst>
+                                      </p:cBhvr>
+                                      <p:tavLst>
+                                        <p:tav tm="0">
+                                          <p:val>
+                                            <p:strVal val="#ppt_x"/>
+                                          </p:val>
+                                        </p:tav>
+                                        <p:tav tm="100000">
+                                          <p:val>
+                                            <p:strVal val="#ppt_x"/>
+                                          </p:val>
+                                        </p:tav>
+                                      </p:tavLst>
+                                    </p:anim>
+                                    <p:anim calcmode="lin" valueType="num">
+                                      <p:cBhvr>
+                                        <p:cTn id="15" dur="1000" fill="hold"/>
+                                        <p:tgtEl>
+                                          <p:spTgt spid="3">
+                                            <p:txEl>
+                                              <p:pRg st="1" end="1"/>
+                                            </p:txEl>
+                                          </p:spTgt>
+                                        </p:tgtEl>
+                                        <p:attrNameLst>
+                                          <p:attrName>ppt_y</p:attrName>
+                                        </p:attrNameLst>
+                                      </p:cBhvr>
+                                      <p:tavLst>
+                                        <p:tav tm="0">
+                                          <p:val>
+                                            <p:strVal val="#ppt_y+.1"/>
+                                          </p:val>
+                                        </p:tav>
+                                        <p:tav tm="100000">
+                                          <p:val>
+                                            <p:strVal val="#ppt_y"/>
+                                          </p:val>
+                                        </p:tav>
+                                      </p:tavLst>
+                                    </p:anim>
+                                  </p:childTnLst>
+                                </p:cTn>
+                              </p:par>
+                            </p:childTnLst>
+                          </p:cTn>
+                        </p:par>
+                      </p:childTnLst>
+                    </p:cTn>
+                  </p:par>
+                </p:childTnLst>
+              </p:cTn>
+              <p:prevCondLst>
+                <p:cond evt="onPrev" delay="0">
+                  <p:tgtEl>
+                    <p:sldTgt/>
+                  </p:tgtEl>
+                </p:cond>
+              </p:prevCondLst>
+              <p:nextCondLst>
+                <p:cond evt="onNext" delay="0">
+                  <p:tgtEl>
+                    <p:sldTgt/>
+                  </p:tgtEl>
+                </p:cond>
+              </p:nextCondLst>
+            </p:seq>
+          </p:childTnLst>
+        </p:cTn>
       </p:par>
     </p:tnLst>
   </p:timing>
@@ -8125,6 +8849,1254 @@
           <a:p>
             <a:r>
               <a:rPr lang="it-CH" dirty="0" smtClean="0"/>
+              <a:t>Implementazione</a:t>
+            </a:r>
+            <a:endParaRPr lang="it-CH" dirty="0"/>
+          </a:p>
+        </p:txBody>
+      </p:sp>
+      <p:sp>
+        <p:nvSpPr>
+          <p:cNvPr id="4" name="Segnaposto contenuto 3"/>
+          <p:cNvSpPr>
+            <a:spLocks noGrp="1"/>
+          </p:cNvSpPr>
+          <p:nvPr>
+            <p:ph sz="half" idx="1"/>
+          </p:nvPr>
+        </p:nvSpPr>
+        <p:spPr>
+          <a:xfrm>
+            <a:off x="1188720" y="2051474"/>
+            <a:ext cx="4937760" cy="4023360"/>
+          </a:xfrm>
+        </p:spPr>
+        <p:txBody>
+          <a:bodyPr/>
+          <a:lstStyle/>
+          <a:p>
+            <a:pPr>
+              <a:buFont typeface="Courier New" panose="02070309020205020404" pitchFamily="49" charset="0"/>
+              <a:buChar char="o"/>
+            </a:pPr>
+            <a:r>
+              <a:rPr lang="it-CH" dirty="0" smtClean="0"/>
+              <a:t> Caricatore Wireless del telefono </a:t>
+            </a:r>
+          </a:p>
+          <a:p>
+            <a:pPr>
+              <a:buFont typeface="Courier New" panose="02070309020205020404" pitchFamily="49" charset="0"/>
+              <a:buChar char="o"/>
+            </a:pPr>
+            <a:r>
+              <a:rPr lang="it-CH" dirty="0"/>
+              <a:t> </a:t>
+            </a:r>
+            <a:r>
+              <a:rPr lang="it-CH" dirty="0" smtClean="0"/>
+              <a:t>Coperchio del Samsung</a:t>
+            </a:r>
+          </a:p>
+        </p:txBody>
+      </p:sp>
+      <p:pic>
+        <p:nvPicPr>
+          <p:cNvPr id="6" name="Immagine 5"/>
+          <p:cNvPicPr>
+            <a:picLocks noChangeAspect="1"/>
+          </p:cNvPicPr>
+          <p:nvPr/>
+        </p:nvPicPr>
+        <p:blipFill>
+          <a:blip r:embed="rId3"/>
+          <a:stretch>
+            <a:fillRect/>
+          </a:stretch>
+        </p:blipFill>
+        <p:spPr>
+          <a:xfrm>
+            <a:off x="6553200" y="2667000"/>
+            <a:ext cx="4422457" cy="1996440"/>
+          </a:xfrm>
+          <a:prstGeom prst="rect">
+            <a:avLst/>
+          </a:prstGeom>
+        </p:spPr>
+      </p:pic>
+      <p:sp>
+        <p:nvSpPr>
+          <p:cNvPr id="7" name="Ovale 6"/>
+          <p:cNvSpPr/>
+          <p:nvPr/>
+        </p:nvSpPr>
+        <p:spPr>
+          <a:xfrm>
+            <a:off x="7299960" y="3208020"/>
+            <a:ext cx="3124200" cy="1196340"/>
+          </a:xfrm>
+          <a:prstGeom prst="ellipse">
+            <a:avLst/>
+          </a:prstGeom>
+          <a:noFill/>
+          <a:ln>
+            <a:solidFill>
+              <a:srgbClr val="FF0000"/>
+            </a:solidFill>
+          </a:ln>
+        </p:spPr>
+        <p:style>
+          <a:lnRef idx="2">
+            <a:schemeClr val="accent1">
+              <a:shade val="50000"/>
+            </a:schemeClr>
+          </a:lnRef>
+          <a:fillRef idx="1">
+            <a:schemeClr val="accent1"/>
+          </a:fillRef>
+          <a:effectRef idx="0">
+            <a:schemeClr val="accent1"/>
+          </a:effectRef>
+          <a:fontRef idx="minor">
+            <a:schemeClr val="lt1"/>
+          </a:fontRef>
+        </p:style>
+        <p:txBody>
+          <a:bodyPr rtlCol="0" anchor="ctr"/>
+          <a:lstStyle/>
+          <a:p>
+            <a:pPr algn="ctr"/>
+            <a:endParaRPr lang="it-CH"/>
+          </a:p>
+        </p:txBody>
+      </p:sp>
+    </p:spTree>
+    <p:extLst>
+      <p:ext uri="{BB962C8B-B14F-4D97-AF65-F5344CB8AC3E}">
+        <p14:creationId xmlns:p14="http://schemas.microsoft.com/office/powerpoint/2010/main" val="3021210275"/>
+      </p:ext>
+    </p:extLst>
+  </p:cSld>
+  <p:clrMapOvr>
+    <a:masterClrMapping/>
+  </p:clrMapOvr>
+  <p:transition spd="slow">
+    <p:push/>
+  </p:transition>
+  <p:timing>
+    <p:tnLst>
+      <p:par>
+        <p:cTn id="1" dur="indefinite" restart="never" nodeType="tmRoot">
+          <p:childTnLst>
+            <p:seq concurrent="1" nextAc="seek">
+              <p:cTn id="2" dur="indefinite" nodeType="mainSeq">
+                <p:childTnLst>
+                  <p:par>
+                    <p:cTn id="3" fill="hold">
+                      <p:stCondLst>
+                        <p:cond delay="indefinite"/>
+                        <p:cond evt="onBegin" delay="0">
+                          <p:tn val="2"/>
+                        </p:cond>
+                      </p:stCondLst>
+                      <p:childTnLst>
+                        <p:par>
+                          <p:cTn id="4" fill="hold">
+                            <p:stCondLst>
+                              <p:cond delay="0"/>
+                            </p:stCondLst>
+                            <p:childTnLst>
+                              <p:par>
+                                <p:cTn id="5" presetID="2" presetClass="entr" presetSubtype="4" fill="hold" nodeType="afterEffect">
+                                  <p:stCondLst>
+                                    <p:cond delay="0"/>
+                                  </p:stCondLst>
+                                  <p:childTnLst>
+                                    <p:set>
+                                      <p:cBhvr>
+                                        <p:cTn id="6" dur="1" fill="hold">
+                                          <p:stCondLst>
+                                            <p:cond delay="0"/>
+                                          </p:stCondLst>
+                                        </p:cTn>
+                                        <p:tgtEl>
+                                          <p:spTgt spid="4">
+                                            <p:txEl>
+                                              <p:pRg st="0" end="0"/>
+                                            </p:txEl>
+                                          </p:spTgt>
+                                        </p:tgtEl>
+                                        <p:attrNameLst>
+                                          <p:attrName>style.visibility</p:attrName>
+                                        </p:attrNameLst>
+                                      </p:cBhvr>
+                                      <p:to>
+                                        <p:strVal val="visible"/>
+                                      </p:to>
+                                    </p:set>
+                                    <p:anim calcmode="lin" valueType="num">
+                                      <p:cBhvr additive="base">
+                                        <p:cTn id="7" dur="500" fill="hold"/>
+                                        <p:tgtEl>
+                                          <p:spTgt spid="4">
+                                            <p:txEl>
+                                              <p:pRg st="0" end="0"/>
+                                            </p:txEl>
+                                          </p:spTgt>
+                                        </p:tgtEl>
+                                        <p:attrNameLst>
+                                          <p:attrName>ppt_x</p:attrName>
+                                        </p:attrNameLst>
+                                      </p:cBhvr>
+                                      <p:tavLst>
+                                        <p:tav tm="0">
+                                          <p:val>
+                                            <p:strVal val="#ppt_x"/>
+                                          </p:val>
+                                        </p:tav>
+                                        <p:tav tm="100000">
+                                          <p:val>
+                                            <p:strVal val="#ppt_x"/>
+                                          </p:val>
+                                        </p:tav>
+                                      </p:tavLst>
+                                    </p:anim>
+                                    <p:anim calcmode="lin" valueType="num">
+                                      <p:cBhvr additive="base">
+                                        <p:cTn id="8" dur="500" fill="hold"/>
+                                        <p:tgtEl>
+                                          <p:spTgt spid="4">
+                                            <p:txEl>
+                                              <p:pRg st="0" end="0"/>
+                                            </p:txEl>
+                                          </p:spTgt>
+                                        </p:tgtEl>
+                                        <p:attrNameLst>
+                                          <p:attrName>ppt_y</p:attrName>
+                                        </p:attrNameLst>
+                                      </p:cBhvr>
+                                      <p:tavLst>
+                                        <p:tav tm="0">
+                                          <p:val>
+                                            <p:strVal val="1+#ppt_h/2"/>
+                                          </p:val>
+                                        </p:tav>
+                                        <p:tav tm="100000">
+                                          <p:val>
+                                            <p:strVal val="#ppt_y"/>
+                                          </p:val>
+                                        </p:tav>
+                                      </p:tavLst>
+                                    </p:anim>
+                                  </p:childTnLst>
+                                </p:cTn>
+                              </p:par>
+                            </p:childTnLst>
+                          </p:cTn>
+                        </p:par>
+                        <p:par>
+                          <p:cTn id="9" fill="hold">
+                            <p:stCondLst>
+                              <p:cond delay="500"/>
+                            </p:stCondLst>
+                            <p:childTnLst>
+                              <p:par>
+                                <p:cTn id="10" presetID="2" presetClass="entr" presetSubtype="4" fill="hold" nodeType="afterEffect">
+                                  <p:stCondLst>
+                                    <p:cond delay="0"/>
+                                  </p:stCondLst>
+                                  <p:childTnLst>
+                                    <p:set>
+                                      <p:cBhvr>
+                                        <p:cTn id="11" dur="1" fill="hold">
+                                          <p:stCondLst>
+                                            <p:cond delay="0"/>
+                                          </p:stCondLst>
+                                        </p:cTn>
+                                        <p:tgtEl>
+                                          <p:spTgt spid="4">
+                                            <p:txEl>
+                                              <p:pRg st="1" end="1"/>
+                                            </p:txEl>
+                                          </p:spTgt>
+                                        </p:tgtEl>
+                                        <p:attrNameLst>
+                                          <p:attrName>style.visibility</p:attrName>
+                                        </p:attrNameLst>
+                                      </p:cBhvr>
+                                      <p:to>
+                                        <p:strVal val="visible"/>
+                                      </p:to>
+                                    </p:set>
+                                    <p:anim calcmode="lin" valueType="num">
+                                      <p:cBhvr additive="base">
+                                        <p:cTn id="12" dur="500" fill="hold"/>
+                                        <p:tgtEl>
+                                          <p:spTgt spid="4">
+                                            <p:txEl>
+                                              <p:pRg st="1" end="1"/>
+                                            </p:txEl>
+                                          </p:spTgt>
+                                        </p:tgtEl>
+                                        <p:attrNameLst>
+                                          <p:attrName>ppt_x</p:attrName>
+                                        </p:attrNameLst>
+                                      </p:cBhvr>
+                                      <p:tavLst>
+                                        <p:tav tm="0">
+                                          <p:val>
+                                            <p:strVal val="#ppt_x"/>
+                                          </p:val>
+                                        </p:tav>
+                                        <p:tav tm="100000">
+                                          <p:val>
+                                            <p:strVal val="#ppt_x"/>
+                                          </p:val>
+                                        </p:tav>
+                                      </p:tavLst>
+                                    </p:anim>
+                                    <p:anim calcmode="lin" valueType="num">
+                                      <p:cBhvr additive="base">
+                                        <p:cTn id="13" dur="500" fill="hold"/>
+                                        <p:tgtEl>
+                                          <p:spTgt spid="4">
+                                            <p:txEl>
+                                              <p:pRg st="1" end="1"/>
+                                            </p:txEl>
+                                          </p:spTgt>
+                                        </p:tgtEl>
+                                        <p:attrNameLst>
+                                          <p:attrName>ppt_y</p:attrName>
+                                        </p:attrNameLst>
+                                      </p:cBhvr>
+                                      <p:tavLst>
+                                        <p:tav tm="0">
+                                          <p:val>
+                                            <p:strVal val="1+#ppt_h/2"/>
+                                          </p:val>
+                                        </p:tav>
+                                        <p:tav tm="100000">
+                                          <p:val>
+                                            <p:strVal val="#ppt_y"/>
+                                          </p:val>
+                                        </p:tav>
+                                      </p:tavLst>
+                                    </p:anim>
+                                  </p:childTnLst>
+                                </p:cTn>
+                              </p:par>
+                            </p:childTnLst>
+                          </p:cTn>
+                        </p:par>
+                      </p:childTnLst>
+                    </p:cTn>
+                  </p:par>
+                </p:childTnLst>
+              </p:cTn>
+              <p:prevCondLst>
+                <p:cond evt="onPrev" delay="0">
+                  <p:tgtEl>
+                    <p:sldTgt/>
+                  </p:tgtEl>
+                </p:cond>
+              </p:prevCondLst>
+              <p:nextCondLst>
+                <p:cond evt="onNext" delay="0">
+                  <p:tgtEl>
+                    <p:sldTgt/>
+                  </p:tgtEl>
+                </p:cond>
+              </p:nextCondLst>
+            </p:seq>
+          </p:childTnLst>
+        </p:cTn>
+      </p:par>
+    </p:tnLst>
+  </p:timing>
+</p:sld>
+</file>
+
+<file path=ppt/slides/slide13.xml><?xml version="1.0" encoding="utf-8"?>
+<p:sld xmlns:a="http://schemas.openxmlformats.org/drawingml/2006/main" xmlns:r="http://schemas.openxmlformats.org/officeDocument/2006/relationships" xmlns:p="http://schemas.openxmlformats.org/presentationml/2006/main">
+  <p:cSld>
+    <p:spTree>
+      <p:nvGrpSpPr>
+        <p:cNvPr id="1" name=""/>
+        <p:cNvGrpSpPr/>
+        <p:nvPr/>
+      </p:nvGrpSpPr>
+      <p:grpSpPr>
+        <a:xfrm>
+          <a:off x="0" y="0"/>
+          <a:ext cx="0" cy="0"/>
+          <a:chOff x="0" y="0"/>
+          <a:chExt cx="0" cy="0"/>
+        </a:xfrm>
+      </p:grpSpPr>
+      <p:sp>
+        <p:nvSpPr>
+          <p:cNvPr id="2" name="Titolo 1"/>
+          <p:cNvSpPr>
+            <a:spLocks noGrp="1"/>
+          </p:cNvSpPr>
+          <p:nvPr>
+            <p:ph type="title"/>
+          </p:nvPr>
+        </p:nvSpPr>
+        <p:spPr/>
+        <p:txBody>
+          <a:bodyPr/>
+          <a:lstStyle/>
+          <a:p>
+            <a:r>
+              <a:rPr lang="it-CH" dirty="0" smtClean="0"/>
+              <a:t>Implementazione</a:t>
+            </a:r>
+            <a:endParaRPr lang="it-CH" dirty="0"/>
+          </a:p>
+        </p:txBody>
+      </p:sp>
+      <p:sp>
+        <p:nvSpPr>
+          <p:cNvPr id="4" name="Segnaposto contenuto 3"/>
+          <p:cNvSpPr>
+            <a:spLocks noGrp="1"/>
+          </p:cNvSpPr>
+          <p:nvPr>
+            <p:ph sz="half" idx="1"/>
+          </p:nvPr>
+        </p:nvSpPr>
+        <p:spPr>
+          <a:xfrm>
+            <a:off x="1097280" y="2043008"/>
+            <a:ext cx="5181601" cy="4023360"/>
+          </a:xfrm>
+        </p:spPr>
+        <p:txBody>
+          <a:bodyPr/>
+          <a:lstStyle/>
+          <a:p>
+            <a:pPr>
+              <a:buFont typeface="Courier New" panose="02070309020205020404" pitchFamily="49" charset="0"/>
+              <a:buChar char="o"/>
+            </a:pPr>
+            <a:r>
+              <a:rPr lang="it-CH" dirty="0"/>
+              <a:t> </a:t>
+            </a:r>
+            <a:r>
+              <a:rPr lang="it-CH" dirty="0" smtClean="0"/>
+              <a:t>Led sotto </a:t>
+            </a:r>
+            <a:r>
+              <a:rPr lang="it-CH" dirty="0"/>
+              <a:t>alle pale della ventola </a:t>
+            </a:r>
+            <a:endParaRPr lang="it-CH" dirty="0" smtClean="0"/>
+          </a:p>
+          <a:p>
+            <a:pPr>
+              <a:buFont typeface="Courier New" panose="02070309020205020404" pitchFamily="49" charset="0"/>
+              <a:buChar char="o"/>
+            </a:pPr>
+            <a:r>
+              <a:rPr lang="it-CH" dirty="0" smtClean="0"/>
+              <a:t> Viene </a:t>
+            </a:r>
+            <a:r>
+              <a:rPr lang="it-CH" dirty="0"/>
+              <a:t>sincronizzata </a:t>
+            </a:r>
+            <a:r>
+              <a:rPr lang="it-CH" dirty="0" smtClean="0"/>
+              <a:t>tramite una fotoresistenza</a:t>
+            </a:r>
+            <a:endParaRPr lang="it-CH" dirty="0"/>
+          </a:p>
+          <a:p>
+            <a:pPr>
+              <a:buFont typeface="Courier New" panose="02070309020205020404" pitchFamily="49" charset="0"/>
+              <a:buChar char="o"/>
+            </a:pPr>
+            <a:endParaRPr lang="it-CH" dirty="0" smtClean="0"/>
+          </a:p>
+        </p:txBody>
+      </p:sp>
+      <p:pic>
+        <p:nvPicPr>
+          <p:cNvPr id="3" name="Immagine 2"/>
+          <p:cNvPicPr>
+            <a:picLocks noChangeAspect="1"/>
+          </p:cNvPicPr>
+          <p:nvPr/>
+        </p:nvPicPr>
+        <p:blipFill>
+          <a:blip r:embed="rId3"/>
+          <a:stretch>
+            <a:fillRect/>
+          </a:stretch>
+        </p:blipFill>
+        <p:spPr>
+          <a:xfrm>
+            <a:off x="7193280" y="2013375"/>
+            <a:ext cx="3624150" cy="4082626"/>
+          </a:xfrm>
+          <a:prstGeom prst="rect">
+            <a:avLst/>
+          </a:prstGeom>
+        </p:spPr>
+      </p:pic>
+      <p:cxnSp>
+        <p:nvCxnSpPr>
+          <p:cNvPr id="22" name="Connettore 2 21"/>
+          <p:cNvCxnSpPr/>
+          <p:nvPr/>
+        </p:nvCxnSpPr>
+        <p:spPr>
+          <a:xfrm flipH="1" flipV="1">
+            <a:off x="8533658" y="2642235"/>
+            <a:ext cx="7620" cy="354330"/>
+          </a:xfrm>
+          <a:prstGeom prst="straightConnector1">
+            <a:avLst/>
+          </a:prstGeom>
+          <a:ln>
+            <a:solidFill>
+              <a:srgbClr val="FF0000"/>
+            </a:solidFill>
+            <a:tailEnd type="triangle"/>
+          </a:ln>
+        </p:spPr>
+        <p:style>
+          <a:lnRef idx="1">
+            <a:schemeClr val="accent1"/>
+          </a:lnRef>
+          <a:fillRef idx="0">
+            <a:schemeClr val="accent1"/>
+          </a:fillRef>
+          <a:effectRef idx="0">
+            <a:schemeClr val="accent1"/>
+          </a:effectRef>
+          <a:fontRef idx="minor">
+            <a:schemeClr val="tx1"/>
+          </a:fontRef>
+        </p:style>
+      </p:cxnSp>
+      <p:cxnSp>
+        <p:nvCxnSpPr>
+          <p:cNvPr id="23" name="Connettore 2 22"/>
+          <p:cNvCxnSpPr/>
+          <p:nvPr/>
+        </p:nvCxnSpPr>
+        <p:spPr>
+          <a:xfrm flipV="1">
+            <a:off x="9881655" y="2788920"/>
+            <a:ext cx="1485" cy="415290"/>
+          </a:xfrm>
+          <a:prstGeom prst="straightConnector1">
+            <a:avLst/>
+          </a:prstGeom>
+          <a:ln>
+            <a:solidFill>
+              <a:srgbClr val="FF0000"/>
+            </a:solidFill>
+            <a:tailEnd type="triangle"/>
+          </a:ln>
+        </p:spPr>
+        <p:style>
+          <a:lnRef idx="1">
+            <a:schemeClr val="accent1"/>
+          </a:lnRef>
+          <a:fillRef idx="0">
+            <a:schemeClr val="accent1"/>
+          </a:fillRef>
+          <a:effectRef idx="0">
+            <a:schemeClr val="accent1"/>
+          </a:effectRef>
+          <a:fontRef idx="minor">
+            <a:schemeClr val="tx1"/>
+          </a:fontRef>
+        </p:style>
+      </p:cxnSp>
+      <p:sp>
+        <p:nvSpPr>
+          <p:cNvPr id="26" name="Rettangolo 25"/>
+          <p:cNvSpPr/>
+          <p:nvPr/>
+        </p:nvSpPr>
+        <p:spPr>
+          <a:xfrm>
+            <a:off x="8138160" y="2331720"/>
+            <a:ext cx="800100" cy="251460"/>
+          </a:xfrm>
+          <a:prstGeom prst="rect">
+            <a:avLst/>
+          </a:prstGeom>
+          <a:noFill/>
+          <a:ln>
+            <a:noFill/>
+          </a:ln>
+        </p:spPr>
+        <p:style>
+          <a:lnRef idx="2">
+            <a:schemeClr val="accent1">
+              <a:shade val="50000"/>
+            </a:schemeClr>
+          </a:lnRef>
+          <a:fillRef idx="1">
+            <a:schemeClr val="accent1"/>
+          </a:fillRef>
+          <a:effectRef idx="0">
+            <a:schemeClr val="accent1"/>
+          </a:effectRef>
+          <a:fontRef idx="minor">
+            <a:schemeClr val="lt1"/>
+          </a:fontRef>
+        </p:style>
+        <p:txBody>
+          <a:bodyPr rtlCol="0" anchor="ctr"/>
+          <a:lstStyle/>
+          <a:p>
+            <a:pPr algn="ctr"/>
+            <a:endParaRPr lang="it-CH"/>
+          </a:p>
+        </p:txBody>
+      </p:sp>
+      <p:sp>
+        <p:nvSpPr>
+          <p:cNvPr id="27" name="Rettangolo 26"/>
+          <p:cNvSpPr/>
+          <p:nvPr/>
+        </p:nvSpPr>
+        <p:spPr>
+          <a:xfrm>
+            <a:off x="7589520" y="2235518"/>
+            <a:ext cx="1610888" cy="251460"/>
+          </a:xfrm>
+          <a:prstGeom prst="rect">
+            <a:avLst/>
+          </a:prstGeom>
+          <a:noFill/>
+          <a:ln>
+            <a:noFill/>
+          </a:ln>
+        </p:spPr>
+        <p:style>
+          <a:lnRef idx="2">
+            <a:schemeClr val="accent1">
+              <a:shade val="50000"/>
+            </a:schemeClr>
+          </a:lnRef>
+          <a:fillRef idx="1">
+            <a:schemeClr val="accent1"/>
+          </a:fillRef>
+          <a:effectRef idx="0">
+            <a:schemeClr val="accent1"/>
+          </a:effectRef>
+          <a:fontRef idx="minor">
+            <a:schemeClr val="lt1"/>
+          </a:fontRef>
+        </p:style>
+        <p:txBody>
+          <a:bodyPr rtlCol="0" anchor="ctr"/>
+          <a:lstStyle/>
+          <a:p>
+            <a:pPr algn="ctr"/>
+            <a:r>
+              <a:rPr lang="it-CH" dirty="0" smtClean="0">
+                <a:solidFill>
+                  <a:sysClr val="windowText" lastClr="000000"/>
+                </a:solidFill>
+              </a:rPr>
+              <a:t>Fotoresistenza</a:t>
+            </a:r>
+            <a:endParaRPr lang="it-CH" dirty="0">
+              <a:solidFill>
+                <a:sysClr val="windowText" lastClr="000000"/>
+              </a:solidFill>
+            </a:endParaRPr>
+          </a:p>
+        </p:txBody>
+      </p:sp>
+      <p:sp>
+        <p:nvSpPr>
+          <p:cNvPr id="28" name="Rettangolo 27"/>
+          <p:cNvSpPr/>
+          <p:nvPr/>
+        </p:nvSpPr>
+        <p:spPr>
+          <a:xfrm>
+            <a:off x="9046523" y="2409349"/>
+            <a:ext cx="1610888" cy="251460"/>
+          </a:xfrm>
+          <a:prstGeom prst="rect">
+            <a:avLst/>
+          </a:prstGeom>
+          <a:noFill/>
+          <a:ln>
+            <a:noFill/>
+          </a:ln>
+        </p:spPr>
+        <p:style>
+          <a:lnRef idx="2">
+            <a:schemeClr val="accent1">
+              <a:shade val="50000"/>
+            </a:schemeClr>
+          </a:lnRef>
+          <a:fillRef idx="1">
+            <a:schemeClr val="accent1"/>
+          </a:fillRef>
+          <a:effectRef idx="0">
+            <a:schemeClr val="accent1"/>
+          </a:effectRef>
+          <a:fontRef idx="minor">
+            <a:schemeClr val="lt1"/>
+          </a:fontRef>
+        </p:style>
+        <p:txBody>
+          <a:bodyPr rtlCol="0" anchor="ctr"/>
+          <a:lstStyle/>
+          <a:p>
+            <a:pPr algn="ctr"/>
+            <a:r>
+              <a:rPr lang="it-CH" dirty="0" smtClean="0">
+                <a:solidFill>
+                  <a:sysClr val="windowText" lastClr="000000"/>
+                </a:solidFill>
+              </a:rPr>
+              <a:t>Led</a:t>
+            </a:r>
+            <a:endParaRPr lang="it-CH" dirty="0">
+              <a:solidFill>
+                <a:sysClr val="windowText" lastClr="000000"/>
+              </a:solidFill>
+            </a:endParaRPr>
+          </a:p>
+        </p:txBody>
+      </p:sp>
+    </p:spTree>
+    <p:extLst>
+      <p:ext uri="{BB962C8B-B14F-4D97-AF65-F5344CB8AC3E}">
+        <p14:creationId xmlns:p14="http://schemas.microsoft.com/office/powerpoint/2010/main" val="627958433"/>
+      </p:ext>
+    </p:extLst>
+  </p:cSld>
+  <p:clrMapOvr>
+    <a:masterClrMapping/>
+  </p:clrMapOvr>
+  <p:transition spd="slow">
+    <p:push/>
+  </p:transition>
+  <p:timing>
+    <p:tnLst>
+      <p:par>
+        <p:cTn id="1" dur="indefinite" restart="never" nodeType="tmRoot">
+          <p:childTnLst>
+            <p:seq concurrent="1" nextAc="seek">
+              <p:cTn id="2" dur="indefinite" nodeType="mainSeq">
+                <p:childTnLst>
+                  <p:par>
+                    <p:cTn id="3" fill="hold">
+                      <p:stCondLst>
+                        <p:cond delay="indefinite"/>
+                      </p:stCondLst>
+                      <p:childTnLst>
+                        <p:par>
+                          <p:cTn id="4" fill="hold">
+                            <p:stCondLst>
+                              <p:cond delay="0"/>
+                            </p:stCondLst>
+                            <p:childTnLst>
+                              <p:par>
+                                <p:cTn id="5" presetID="42" presetClass="entr" presetSubtype="0" fill="hold" nodeType="clickEffect">
+                                  <p:stCondLst>
+                                    <p:cond delay="0"/>
+                                  </p:stCondLst>
+                                  <p:childTnLst>
+                                    <p:set>
+                                      <p:cBhvr>
+                                        <p:cTn id="6" dur="1" fill="hold">
+                                          <p:stCondLst>
+                                            <p:cond delay="0"/>
+                                          </p:stCondLst>
+                                        </p:cTn>
+                                        <p:tgtEl>
+                                          <p:spTgt spid="4">
+                                            <p:txEl>
+                                              <p:pRg st="0" end="0"/>
+                                            </p:txEl>
+                                          </p:spTgt>
+                                        </p:tgtEl>
+                                        <p:attrNameLst>
+                                          <p:attrName>style.visibility</p:attrName>
+                                        </p:attrNameLst>
+                                      </p:cBhvr>
+                                      <p:to>
+                                        <p:strVal val="visible"/>
+                                      </p:to>
+                                    </p:set>
+                                    <p:animEffect transition="in" filter="fade">
+                                      <p:cBhvr>
+                                        <p:cTn id="7" dur="1000"/>
+                                        <p:tgtEl>
+                                          <p:spTgt spid="4">
+                                            <p:txEl>
+                                              <p:pRg st="0" end="0"/>
+                                            </p:txEl>
+                                          </p:spTgt>
+                                        </p:tgtEl>
+                                      </p:cBhvr>
+                                    </p:animEffect>
+                                    <p:anim calcmode="lin" valueType="num">
+                                      <p:cBhvr>
+                                        <p:cTn id="8" dur="1000" fill="hold"/>
+                                        <p:tgtEl>
+                                          <p:spTgt spid="4">
+                                            <p:txEl>
+                                              <p:pRg st="0" end="0"/>
+                                            </p:txEl>
+                                          </p:spTgt>
+                                        </p:tgtEl>
+                                        <p:attrNameLst>
+                                          <p:attrName>ppt_x</p:attrName>
+                                        </p:attrNameLst>
+                                      </p:cBhvr>
+                                      <p:tavLst>
+                                        <p:tav tm="0">
+                                          <p:val>
+                                            <p:strVal val="#ppt_x"/>
+                                          </p:val>
+                                        </p:tav>
+                                        <p:tav tm="100000">
+                                          <p:val>
+                                            <p:strVal val="#ppt_x"/>
+                                          </p:val>
+                                        </p:tav>
+                                      </p:tavLst>
+                                    </p:anim>
+                                    <p:anim calcmode="lin" valueType="num">
+                                      <p:cBhvr>
+                                        <p:cTn id="9" dur="1000" fill="hold"/>
+                                        <p:tgtEl>
+                                          <p:spTgt spid="4">
+                                            <p:txEl>
+                                              <p:pRg st="0" end="0"/>
+                                            </p:txEl>
+                                          </p:spTgt>
+                                        </p:tgtEl>
+                                        <p:attrNameLst>
+                                          <p:attrName>ppt_y</p:attrName>
+                                        </p:attrNameLst>
+                                      </p:cBhvr>
+                                      <p:tavLst>
+                                        <p:tav tm="0">
+                                          <p:val>
+                                            <p:strVal val="#ppt_y+.1"/>
+                                          </p:val>
+                                        </p:tav>
+                                        <p:tav tm="100000">
+                                          <p:val>
+                                            <p:strVal val="#ppt_y"/>
+                                          </p:val>
+                                        </p:tav>
+                                      </p:tavLst>
+                                    </p:anim>
+                                  </p:childTnLst>
+                                </p:cTn>
+                              </p:par>
+                            </p:childTnLst>
+                          </p:cTn>
+                        </p:par>
+                      </p:childTnLst>
+                    </p:cTn>
+                  </p:par>
+                  <p:par>
+                    <p:cTn id="10" fill="hold">
+                      <p:stCondLst>
+                        <p:cond delay="indefinite"/>
+                      </p:stCondLst>
+                      <p:childTnLst>
+                        <p:par>
+                          <p:cTn id="11" fill="hold">
+                            <p:stCondLst>
+                              <p:cond delay="0"/>
+                            </p:stCondLst>
+                            <p:childTnLst>
+                              <p:par>
+                                <p:cTn id="12" presetID="42" presetClass="entr" presetSubtype="0" fill="hold" nodeType="clickEffect">
+                                  <p:stCondLst>
+                                    <p:cond delay="0"/>
+                                  </p:stCondLst>
+                                  <p:childTnLst>
+                                    <p:set>
+                                      <p:cBhvr>
+                                        <p:cTn id="13" dur="1" fill="hold">
+                                          <p:stCondLst>
+                                            <p:cond delay="0"/>
+                                          </p:stCondLst>
+                                        </p:cTn>
+                                        <p:tgtEl>
+                                          <p:spTgt spid="4">
+                                            <p:txEl>
+                                              <p:pRg st="1" end="1"/>
+                                            </p:txEl>
+                                          </p:spTgt>
+                                        </p:tgtEl>
+                                        <p:attrNameLst>
+                                          <p:attrName>style.visibility</p:attrName>
+                                        </p:attrNameLst>
+                                      </p:cBhvr>
+                                      <p:to>
+                                        <p:strVal val="visible"/>
+                                      </p:to>
+                                    </p:set>
+                                    <p:animEffect transition="in" filter="fade">
+                                      <p:cBhvr>
+                                        <p:cTn id="14" dur="1000"/>
+                                        <p:tgtEl>
+                                          <p:spTgt spid="4">
+                                            <p:txEl>
+                                              <p:pRg st="1" end="1"/>
+                                            </p:txEl>
+                                          </p:spTgt>
+                                        </p:tgtEl>
+                                      </p:cBhvr>
+                                    </p:animEffect>
+                                    <p:anim calcmode="lin" valueType="num">
+                                      <p:cBhvr>
+                                        <p:cTn id="15" dur="1000" fill="hold"/>
+                                        <p:tgtEl>
+                                          <p:spTgt spid="4">
+                                            <p:txEl>
+                                              <p:pRg st="1" end="1"/>
+                                            </p:txEl>
+                                          </p:spTgt>
+                                        </p:tgtEl>
+                                        <p:attrNameLst>
+                                          <p:attrName>ppt_x</p:attrName>
+                                        </p:attrNameLst>
+                                      </p:cBhvr>
+                                      <p:tavLst>
+                                        <p:tav tm="0">
+                                          <p:val>
+                                            <p:strVal val="#ppt_x"/>
+                                          </p:val>
+                                        </p:tav>
+                                        <p:tav tm="100000">
+                                          <p:val>
+                                            <p:strVal val="#ppt_x"/>
+                                          </p:val>
+                                        </p:tav>
+                                      </p:tavLst>
+                                    </p:anim>
+                                    <p:anim calcmode="lin" valueType="num">
+                                      <p:cBhvr>
+                                        <p:cTn id="16" dur="1000" fill="hold"/>
+                                        <p:tgtEl>
+                                          <p:spTgt spid="4">
+                                            <p:txEl>
+                                              <p:pRg st="1" end="1"/>
+                                            </p:txEl>
+                                          </p:spTgt>
+                                        </p:tgtEl>
+                                        <p:attrNameLst>
+                                          <p:attrName>ppt_y</p:attrName>
+                                        </p:attrNameLst>
+                                      </p:cBhvr>
+                                      <p:tavLst>
+                                        <p:tav tm="0">
+                                          <p:val>
+                                            <p:strVal val="#ppt_y+.1"/>
+                                          </p:val>
+                                        </p:tav>
+                                        <p:tav tm="100000">
+                                          <p:val>
+                                            <p:strVal val="#ppt_y"/>
+                                          </p:val>
+                                        </p:tav>
+                                      </p:tavLst>
+                                    </p:anim>
+                                  </p:childTnLst>
+                                </p:cTn>
+                              </p:par>
+                            </p:childTnLst>
+                          </p:cTn>
+                        </p:par>
+                      </p:childTnLst>
+                    </p:cTn>
+                  </p:par>
+                </p:childTnLst>
+              </p:cTn>
+              <p:prevCondLst>
+                <p:cond evt="onPrev" delay="0">
+                  <p:tgtEl>
+                    <p:sldTgt/>
+                  </p:tgtEl>
+                </p:cond>
+              </p:prevCondLst>
+              <p:nextCondLst>
+                <p:cond evt="onNext" delay="0">
+                  <p:tgtEl>
+                    <p:sldTgt/>
+                  </p:tgtEl>
+                </p:cond>
+              </p:nextCondLst>
+            </p:seq>
+          </p:childTnLst>
+        </p:cTn>
+      </p:par>
+    </p:tnLst>
+  </p:timing>
+</p:sld>
+</file>
+
+<file path=ppt/slides/slide14.xml><?xml version="1.0" encoding="utf-8"?>
+<p:sld xmlns:a="http://schemas.openxmlformats.org/drawingml/2006/main" xmlns:r="http://schemas.openxmlformats.org/officeDocument/2006/relationships" xmlns:p="http://schemas.openxmlformats.org/presentationml/2006/main">
+  <p:cSld>
+    <p:spTree>
+      <p:nvGrpSpPr>
+        <p:cNvPr id="1" name=""/>
+        <p:cNvGrpSpPr/>
+        <p:nvPr/>
+      </p:nvGrpSpPr>
+      <p:grpSpPr>
+        <a:xfrm>
+          <a:off x="0" y="0"/>
+          <a:ext cx="0" cy="0"/>
+          <a:chOff x="0" y="0"/>
+          <a:chExt cx="0" cy="0"/>
+        </a:xfrm>
+      </p:grpSpPr>
+      <p:sp>
+        <p:nvSpPr>
+          <p:cNvPr id="2" name="Titolo 1"/>
+          <p:cNvSpPr>
+            <a:spLocks noGrp="1"/>
+          </p:cNvSpPr>
+          <p:nvPr>
+            <p:ph type="title"/>
+          </p:nvPr>
+        </p:nvSpPr>
+        <p:spPr>
+          <a:xfrm>
+            <a:off x="1097280" y="0"/>
+            <a:ext cx="10058400" cy="1450757"/>
+          </a:xfrm>
+        </p:spPr>
+        <p:txBody>
+          <a:bodyPr/>
+          <a:lstStyle/>
+          <a:p>
+            <a:r>
+              <a:rPr lang="it-CH" dirty="0" smtClean="0"/>
+              <a:t>Risultato</a:t>
+            </a:r>
+            <a:endParaRPr lang="it-CH" dirty="0"/>
+          </a:p>
+        </p:txBody>
+      </p:sp>
+      <p:sp>
+        <p:nvSpPr>
+          <p:cNvPr id="5" name="Rettangolo 4"/>
+          <p:cNvSpPr/>
+          <p:nvPr/>
+        </p:nvSpPr>
+        <p:spPr>
+          <a:xfrm>
+            <a:off x="4810968" y="3244334"/>
+            <a:ext cx="2570063" cy="369332"/>
+          </a:xfrm>
+          <a:prstGeom prst="rect">
+            <a:avLst/>
+          </a:prstGeom>
+        </p:spPr>
+        <p:txBody>
+          <a:bodyPr wrap="none">
+            <a:spAutoFit/>
+          </a:bodyPr>
+          <a:lstStyle/>
+          <a:p>
+            <a:pPr lvl="0"/>
+            <a:r>
+              <a:rPr lang="it-CH" dirty="0"/>
+              <a:t>Sincronizzazione con i led</a:t>
+            </a:r>
+          </a:p>
+        </p:txBody>
+      </p:sp>
+      <p:pic>
+        <p:nvPicPr>
+          <p:cNvPr id="3" name="Immagine 2"/>
+          <p:cNvPicPr>
+            <a:picLocks noChangeAspect="1"/>
+          </p:cNvPicPr>
+          <p:nvPr/>
+        </p:nvPicPr>
+        <p:blipFill>
+          <a:blip r:embed="rId3"/>
+          <a:stretch>
+            <a:fillRect/>
+          </a:stretch>
+        </p:blipFill>
+        <p:spPr>
+          <a:xfrm>
+            <a:off x="2272420" y="1959501"/>
+            <a:ext cx="7397605" cy="4163848"/>
+          </a:xfrm>
+          <a:prstGeom prst="rect">
+            <a:avLst/>
+          </a:prstGeom>
+        </p:spPr>
+      </p:pic>
+    </p:spTree>
+    <p:extLst>
+      <p:ext uri="{BB962C8B-B14F-4D97-AF65-F5344CB8AC3E}">
+        <p14:creationId xmlns:p14="http://schemas.microsoft.com/office/powerpoint/2010/main" val="2197318995"/>
+      </p:ext>
+    </p:extLst>
+  </p:cSld>
+  <p:clrMapOvr>
+    <a:masterClrMapping/>
+  </p:clrMapOvr>
+  <p:transition spd="slow">
+    <p:push/>
+  </p:transition>
+  <p:timing>
+    <p:tnLst>
+      <p:par>
+        <p:cTn id="1" dur="indefinite" restart="never" nodeType="tmRoot"/>
+      </p:par>
+    </p:tnLst>
+  </p:timing>
+</p:sld>
+</file>
+
+<file path=ppt/slides/slide15.xml><?xml version="1.0" encoding="utf-8"?>
+<p:sld xmlns:a="http://schemas.openxmlformats.org/drawingml/2006/main" xmlns:r="http://schemas.openxmlformats.org/officeDocument/2006/relationships" xmlns:p="http://schemas.openxmlformats.org/presentationml/2006/main">
+  <p:cSld>
+    <p:spTree>
+      <p:nvGrpSpPr>
+        <p:cNvPr id="1" name=""/>
+        <p:cNvGrpSpPr/>
+        <p:nvPr/>
+      </p:nvGrpSpPr>
+      <p:grpSpPr>
+        <a:xfrm>
+          <a:off x="0" y="0"/>
+          <a:ext cx="0" cy="0"/>
+          <a:chOff x="0" y="0"/>
+          <a:chExt cx="0" cy="0"/>
+        </a:xfrm>
+      </p:grpSpPr>
+      <p:sp>
+        <p:nvSpPr>
+          <p:cNvPr id="2" name="Titolo 1"/>
+          <p:cNvSpPr>
+            <a:spLocks noGrp="1"/>
+          </p:cNvSpPr>
+          <p:nvPr>
+            <p:ph type="title"/>
+          </p:nvPr>
+        </p:nvSpPr>
+        <p:spPr>
+          <a:xfrm>
+            <a:off x="1097280" y="0"/>
+            <a:ext cx="10058400" cy="1450757"/>
+          </a:xfrm>
+        </p:spPr>
+        <p:txBody>
+          <a:bodyPr/>
+          <a:lstStyle/>
+          <a:p>
+            <a:r>
+              <a:rPr lang="it-CH" dirty="0" smtClean="0"/>
+              <a:t>Test</a:t>
+            </a:r>
+            <a:endParaRPr lang="it-CH" dirty="0"/>
+          </a:p>
+        </p:txBody>
+      </p:sp>
+      <p:pic>
+        <p:nvPicPr>
+          <p:cNvPr id="3" name="Immagine 2"/>
+          <p:cNvPicPr>
+            <a:picLocks noChangeAspect="1"/>
+          </p:cNvPicPr>
+          <p:nvPr/>
+        </p:nvPicPr>
+        <p:blipFill>
+          <a:blip r:embed="rId3"/>
+          <a:stretch>
+            <a:fillRect/>
+          </a:stretch>
+        </p:blipFill>
+        <p:spPr>
+          <a:xfrm>
+            <a:off x="1189900" y="2109457"/>
+            <a:ext cx="9965780" cy="3576637"/>
+          </a:xfrm>
+          <a:prstGeom prst="rect">
+            <a:avLst/>
+          </a:prstGeom>
+        </p:spPr>
+      </p:pic>
+    </p:spTree>
+    <p:extLst>
+      <p:ext uri="{BB962C8B-B14F-4D97-AF65-F5344CB8AC3E}">
+        <p14:creationId xmlns:p14="http://schemas.microsoft.com/office/powerpoint/2010/main" val="3363187758"/>
+      </p:ext>
+    </p:extLst>
+  </p:cSld>
+  <p:clrMapOvr>
+    <a:masterClrMapping/>
+  </p:clrMapOvr>
+  <p:transition spd="slow">
+    <p:push/>
+  </p:transition>
+  <p:timing>
+    <p:tnLst>
+      <p:par>
+        <p:cTn id="1" dur="indefinite" restart="never" nodeType="tmRoot"/>
+      </p:par>
+    </p:tnLst>
+  </p:timing>
+</p:sld>
+</file>
+
+<file path=ppt/slides/slide16.xml><?xml version="1.0" encoding="utf-8"?>
+<p:sld xmlns:a="http://schemas.openxmlformats.org/drawingml/2006/main" xmlns:r="http://schemas.openxmlformats.org/officeDocument/2006/relationships" xmlns:p="http://schemas.openxmlformats.org/presentationml/2006/main">
+  <p:cSld>
+    <p:spTree>
+      <p:nvGrpSpPr>
+        <p:cNvPr id="1" name=""/>
+        <p:cNvGrpSpPr/>
+        <p:nvPr/>
+      </p:nvGrpSpPr>
+      <p:grpSpPr>
+        <a:xfrm>
+          <a:off x="0" y="0"/>
+          <a:ext cx="0" cy="0"/>
+          <a:chOff x="0" y="0"/>
+          <a:chExt cx="0" cy="0"/>
+        </a:xfrm>
+      </p:grpSpPr>
+      <p:sp>
+        <p:nvSpPr>
+          <p:cNvPr id="2" name="Titolo 1"/>
+          <p:cNvSpPr>
+            <a:spLocks noGrp="1"/>
+          </p:cNvSpPr>
+          <p:nvPr>
+            <p:ph type="title"/>
+          </p:nvPr>
+        </p:nvSpPr>
+        <p:spPr/>
+        <p:txBody>
+          <a:bodyPr/>
+          <a:lstStyle/>
+          <a:p>
+            <a:r>
+              <a:rPr lang="it-CH" dirty="0" smtClean="0"/>
               <a:t>Conclusioni</a:t>
             </a:r>
             <a:endParaRPr lang="it-CH" dirty="0"/>
@@ -8152,13 +10124,8 @@
             </a:pPr>
             <a:r>
               <a:rPr lang="it-CH" sz="2400" dirty="0" smtClean="0"/>
-              <a:t> Utile per </a:t>
+              <a:t> Utile per imparare a lavorare in gruppo</a:t>
             </a:r>
-            <a:r>
-              <a:rPr lang="it-CH" sz="2400" dirty="0" smtClean="0"/>
-              <a:t>imparare a lavorare in gruppo</a:t>
-            </a:r>
-            <a:endParaRPr lang="it-CH" sz="2400" dirty="0" smtClean="0"/>
           </a:p>
           <a:p>
             <a:pPr>
@@ -8167,13 +10134,8 @@
             </a:pPr>
             <a:r>
               <a:rPr lang="it-CH" sz="2400" dirty="0" smtClean="0"/>
-              <a:t> Bozza per un vero progetto </a:t>
+              <a:t> Utilizzo Fishino </a:t>
             </a:r>
-            <a:r>
-              <a:rPr lang="it-CH" sz="2400" dirty="0" smtClean="0"/>
-              <a:t>fan clock</a:t>
-            </a:r>
-            <a:endParaRPr lang="it-CH" sz="2400" dirty="0" smtClean="0"/>
           </a:p>
           <a:p>
             <a:pPr>
@@ -8181,8 +10143,34 @@
               <a:buChar char="•"/>
             </a:pPr>
             <a:r>
+              <a:rPr lang="it-CH" sz="2400" dirty="0"/>
+              <a:t> </a:t>
+            </a:r>
+            <a:r>
               <a:rPr lang="it-CH" sz="2400" dirty="0" smtClean="0"/>
-              <a:t> Da migliorare </a:t>
+              <a:t>Strisce di led </a:t>
+            </a:r>
+            <a:r>
+              <a:rPr lang="it-CH" sz="2400" dirty="0"/>
+              <a:t>A</a:t>
+            </a:r>
+            <a:r>
+              <a:rPr lang="it-CH" sz="2400" dirty="0" smtClean="0"/>
+              <a:t>dafruit DotStars LEDs</a:t>
+            </a:r>
+          </a:p>
+          <a:p>
+            <a:pPr>
+              <a:buFont typeface="Arial" panose="020B0604020202020204" pitchFamily="34" charset="0"/>
+              <a:buChar char="•"/>
+            </a:pPr>
+            <a:r>
+              <a:rPr lang="it-CH" sz="2400" dirty="0"/>
+              <a:t> </a:t>
+            </a:r>
+            <a:r>
+              <a:rPr lang="it-CH" sz="2400" dirty="0" smtClean="0"/>
+              <a:t>Sistemare il codice</a:t>
             </a:r>
           </a:p>
           <a:p>
@@ -8207,6 +10195,71 @@
           </a:p>
         </p:txBody>
       </p:sp>
+      <p:pic>
+        <p:nvPicPr>
+          <p:cNvPr id="4" name="Picture 3" descr="Risultati immagini per arduino Guppy board fishino nano"/>
+          <p:cNvPicPr>
+            <a:picLocks noChangeAspect="1" noChangeArrowheads="1"/>
+          </p:cNvPicPr>
+          <p:nvPr/>
+        </p:nvPicPr>
+        <p:blipFill>
+          <a:blip r:embed="rId3">
+            <a:extLst>
+              <a:ext uri="{28A0092B-C50C-407E-A947-70E740481C1C}">
+                <a14:useLocalDpi xmlns:a14="http://schemas.microsoft.com/office/drawing/2010/main" val="0"/>
+              </a:ext>
+            </a:extLst>
+          </a:blip>
+          <a:srcRect/>
+          <a:stretch>
+            <a:fillRect/>
+          </a:stretch>
+        </p:blipFill>
+        <p:spPr bwMode="auto">
+          <a:xfrm>
+            <a:off x="7376796" y="2729760"/>
+            <a:ext cx="3247708" cy="3247708"/>
+          </a:xfrm>
+          <a:prstGeom prst="rect">
+            <a:avLst/>
+          </a:prstGeom>
+          <a:noFill/>
+          <a:extLst>
+            <a:ext uri="{909E8E84-426E-40DD-AFC4-6F175D3DCCD1}">
+              <a14:hiddenFill xmlns:a14="http://schemas.microsoft.com/office/drawing/2010/main">
+                <a:solidFill>
+                  <a:srgbClr val="FFFFFF"/>
+                </a:solidFill>
+              </a14:hiddenFill>
+            </a:ext>
+          </a:extLst>
+        </p:spPr>
+      </p:pic>
+      <p:pic>
+        <p:nvPicPr>
+          <p:cNvPr id="5" name="Immagine 4"/>
+          <p:cNvPicPr>
+            <a:picLocks noChangeAspect="1"/>
+          </p:cNvPicPr>
+          <p:nvPr/>
+        </p:nvPicPr>
+        <p:blipFill>
+          <a:blip r:embed="rId4"/>
+          <a:stretch>
+            <a:fillRect/>
+          </a:stretch>
+        </p:blipFill>
+        <p:spPr>
+          <a:xfrm>
+            <a:off x="1436478" y="3989070"/>
+            <a:ext cx="5601121" cy="1988398"/>
+          </a:xfrm>
+          <a:prstGeom prst="rect">
+            <a:avLst/>
+          </a:prstGeom>
+        </p:spPr>
+      </p:pic>
     </p:spTree>
     <p:extLst>
       <p:ext uri="{BB962C8B-B14F-4D97-AF65-F5344CB8AC3E}">
@@ -8217,18 +10270,9 @@
   <p:clrMapOvr>
     <a:masterClrMapping/>
   </p:clrMapOvr>
-  <mc:AlternateContent xmlns:mc="http://schemas.openxmlformats.org/markup-compatibility/2006" xmlns:p14="http://schemas.microsoft.com/office/powerpoint/2010/main">
-    <mc:Choice Requires="p14">
-      <p:transition spd="med" p14:dur="700">
-        <p:fade/>
-      </p:transition>
-    </mc:Choice>
-    <mc:Fallback xmlns="">
-      <p:transition spd="med">
-        <p:fade/>
-      </p:transition>
-    </mc:Fallback>
-  </mc:AlternateContent>
+  <p:transition spd="slow">
+    <p:push/>
+  </p:transition>
   <p:timing>
     <p:tnLst>
       <p:par>
@@ -8437,6 +10481,41 @@
                                   </p:childTnLst>
                                 </p:cTn>
                               </p:par>
+                              <p:par>
+                                <p:cTn id="15" presetID="22" presetClass="entr" presetSubtype="4" fill="hold" nodeType="withEffect">
+                                  <p:stCondLst>
+                                    <p:cond delay="0"/>
+                                  </p:stCondLst>
+                                  <p:childTnLst>
+                                    <p:set>
+                                      <p:cBhvr>
+                                        <p:cTn id="16" dur="1" fill="hold">
+                                          <p:stCondLst>
+                                            <p:cond delay="0"/>
+                                          </p:stCondLst>
+                                        </p:cTn>
+                                        <p:tgtEl>
+                                          <p:spTgt spid="4"/>
+                                        </p:tgtEl>
+                                        <p:attrNameLst>
+                                          <p:attrName>style.visibility</p:attrName>
+                                        </p:attrNameLst>
+                                      </p:cBhvr>
+                                      <p:to>
+                                        <p:strVal val="visible"/>
+                                      </p:to>
+                                    </p:set>
+                                    <p:animEffect transition="in" filter="wipe(down)">
+                                      <p:cBhvr>
+                                        <p:cTn id="17" dur="500"/>
+                                        <p:tgtEl>
+                                          <p:spTgt spid="4"/>
+                                        </p:tgtEl>
+                                      </p:cBhvr>
+                                    </p:animEffect>
+                                  </p:childTnLst>
+                                </p:cTn>
+                              </p:par>
                             </p:childTnLst>
                           </p:cTn>
                         </p:par>
@@ -8444,26 +10523,26 @@
                     </p:cTn>
                   </p:par>
                   <p:par>
-                    <p:cTn id="15" fill="hold">
+                    <p:cTn id="18" fill="hold">
                       <p:stCondLst>
                         <p:cond delay="indefinite"/>
                       </p:stCondLst>
                       <p:childTnLst>
                         <p:par>
-                          <p:cTn id="16" fill="hold">
+                          <p:cTn id="19" fill="hold">
                             <p:stCondLst>
                               <p:cond delay="0"/>
                             </p:stCondLst>
                             <p:childTnLst>
                               <p:par>
-                                <p:cTn id="17" presetID="2" presetClass="entr" presetSubtype="4" fill="hold" nodeType="clickEffect">
+                                <p:cTn id="20" presetID="2" presetClass="entr" presetSubtype="4" fill="hold" nodeType="clickEffect">
                                   <p:stCondLst>
                                     <p:cond delay="0"/>
                                   </p:stCondLst>
                                   <p:childTnLst>
                                     <p:set>
                                       <p:cBhvr>
-                                        <p:cTn id="18" dur="1" fill="hold">
+                                        <p:cTn id="21" dur="1" fill="hold">
                                           <p:stCondLst>
                                             <p:cond delay="0"/>
                                           </p:stCondLst>
@@ -8485,7 +10564,7 @@
                                     </p:set>
                                     <p:anim calcmode="lin" valueType="num">
                                       <p:cBhvr additive="base">
-                                        <p:cTn id="19" dur="500" fill="hold"/>
+                                        <p:cTn id="22" dur="500" fill="hold"/>
                                         <p:tgtEl>
                                           <p:spTgt spid="3">
                                             <p:txEl>
@@ -8512,11 +10591,187 @@
                                     </p:anim>
                                     <p:anim calcmode="lin" valueType="num">
                                       <p:cBhvr additive="base">
-                                        <p:cTn id="20" dur="500" fill="hold"/>
+                                        <p:cTn id="23" dur="500" fill="hold"/>
                                         <p:tgtEl>
                                           <p:spTgt spid="3">
                                             <p:txEl>
                                               <p:pRg st="2" end="2"/>
+                                            </p:txEl>
+                                          </p:spTgt>
+                                        </p:tgtEl>
+                                        <p:attrNameLst>
+                                          <p:attrName>ppt_y</p:attrName>
+                                        </p:attrNameLst>
+                                      </p:cBhvr>
+                                      <p:tavLst>
+                                        <p:tav tm="0">
+                                          <p:val>
+                                            <p:strVal val="1+#ppt_h/2"/>
+                                          </p:val>
+                                        </p:tav>
+                                        <p:tav tm="100000">
+                                          <p:val>
+                                            <p:strVal val="#ppt_y"/>
+                                          </p:val>
+                                        </p:tav>
+                                      </p:tavLst>
+                                    </p:anim>
+                                  </p:childTnLst>
+                                </p:cTn>
+                              </p:par>
+                              <p:par>
+                                <p:cTn id="24" presetID="2" presetClass="entr" presetSubtype="4" fill="hold" nodeType="withEffect">
+                                  <p:stCondLst>
+                                    <p:cond delay="0"/>
+                                  </p:stCondLst>
+                                  <p:childTnLst>
+                                    <p:set>
+                                      <p:cBhvr>
+                                        <p:cTn id="25" dur="1" fill="hold">
+                                          <p:stCondLst>
+                                            <p:cond delay="0"/>
+                                          </p:stCondLst>
+                                        </p:cTn>
+                                        <p:tgtEl>
+                                          <p:spTgt spid="5"/>
+                                        </p:tgtEl>
+                                        <p:attrNameLst>
+                                          <p:attrName>style.visibility</p:attrName>
+                                        </p:attrNameLst>
+                                      </p:cBhvr>
+                                      <p:to>
+                                        <p:strVal val="visible"/>
+                                      </p:to>
+                                    </p:set>
+                                    <p:anim calcmode="lin" valueType="num">
+                                      <p:cBhvr additive="base">
+                                        <p:cTn id="26" dur="500" fill="hold"/>
+                                        <p:tgtEl>
+                                          <p:spTgt spid="5"/>
+                                        </p:tgtEl>
+                                        <p:attrNameLst>
+                                          <p:attrName>ppt_x</p:attrName>
+                                        </p:attrNameLst>
+                                      </p:cBhvr>
+                                      <p:tavLst>
+                                        <p:tav tm="0">
+                                          <p:val>
+                                            <p:strVal val="#ppt_x"/>
+                                          </p:val>
+                                        </p:tav>
+                                        <p:tav tm="100000">
+                                          <p:val>
+                                            <p:strVal val="#ppt_x"/>
+                                          </p:val>
+                                        </p:tav>
+                                      </p:tavLst>
+                                    </p:anim>
+                                    <p:anim calcmode="lin" valueType="num">
+                                      <p:cBhvr additive="base">
+                                        <p:cTn id="27" dur="500" fill="hold"/>
+                                        <p:tgtEl>
+                                          <p:spTgt spid="5"/>
+                                        </p:tgtEl>
+                                        <p:attrNameLst>
+                                          <p:attrName>ppt_y</p:attrName>
+                                        </p:attrNameLst>
+                                      </p:cBhvr>
+                                      <p:tavLst>
+                                        <p:tav tm="0">
+                                          <p:val>
+                                            <p:strVal val="1+#ppt_h/2"/>
+                                          </p:val>
+                                        </p:tav>
+                                        <p:tav tm="100000">
+                                          <p:val>
+                                            <p:strVal val="#ppt_y"/>
+                                          </p:val>
+                                        </p:tav>
+                                      </p:tavLst>
+                                    </p:anim>
+                                  </p:childTnLst>
+                                </p:cTn>
+                              </p:par>
+                            </p:childTnLst>
+                          </p:cTn>
+                        </p:par>
+                      </p:childTnLst>
+                    </p:cTn>
+                  </p:par>
+                  <p:par>
+                    <p:cTn id="28" fill="hold">
+                      <p:stCondLst>
+                        <p:cond delay="indefinite"/>
+                      </p:stCondLst>
+                      <p:childTnLst>
+                        <p:par>
+                          <p:cTn id="29" fill="hold">
+                            <p:stCondLst>
+                              <p:cond delay="0"/>
+                            </p:stCondLst>
+                            <p:childTnLst>
+                              <p:par>
+                                <p:cTn id="30" presetID="2" presetClass="entr" presetSubtype="4" fill="hold" nodeType="clickEffect">
+                                  <p:stCondLst>
+                                    <p:cond delay="0"/>
+                                  </p:stCondLst>
+                                  <p:childTnLst>
+                                    <p:set>
+                                      <p:cBhvr>
+                                        <p:cTn id="31" dur="1" fill="hold">
+                                          <p:stCondLst>
+                                            <p:cond delay="0"/>
+                                          </p:stCondLst>
+                                        </p:cTn>
+                                        <p:tgtEl>
+                                          <p:spTgt spid="3">
+                                            <p:txEl>
+                                              <p:pRg st="3" end="3"/>
+                                            </p:txEl>
+                                          </p:spTgt>
+                                        </p:tgtEl>
+                                        <p:attrNameLst>
+                                          <p:attrName>style.visibility</p:attrName>
+                                        </p:attrNameLst>
+                                      </p:cBhvr>
+                                      <p:to>
+                                        <p:strVal val="visible"/>
+                                      </p:to>
+                                    </p:set>
+                                    <p:anim calcmode="lin" valueType="num">
+                                      <p:cBhvr additive="base">
+                                        <p:cTn id="32" dur="500" fill="hold"/>
+                                        <p:tgtEl>
+                                          <p:spTgt spid="3">
+                                            <p:txEl>
+                                              <p:pRg st="3" end="3"/>
+                                            </p:txEl>
+                                          </p:spTgt>
+                                        </p:tgtEl>
+                                        <p:attrNameLst>
+                                          <p:attrName>ppt_x</p:attrName>
+                                        </p:attrNameLst>
+                                      </p:cBhvr>
+                                      <p:tavLst>
+                                        <p:tav tm="0">
+                                          <p:val>
+                                            <p:strVal val="#ppt_x"/>
+                                          </p:val>
+                                        </p:tav>
+                                        <p:tav tm="100000">
+                                          <p:val>
+                                            <p:strVal val="#ppt_x"/>
+                                          </p:val>
+                                        </p:tav>
+                                      </p:tavLst>
+                                    </p:anim>
+                                    <p:anim calcmode="lin" valueType="num">
+                                      <p:cBhvr additive="base">
+                                        <p:cTn id="33" dur="500" fill="hold"/>
+                                        <p:tgtEl>
+                                          <p:spTgt spid="3">
+                                            <p:txEl>
+                                              <p:pRg st="3" end="3"/>
                                             </p:txEl>
                                           </p:spTgt>
                                         </p:tgtEl>
@@ -8637,47 +10892,44 @@
           <a:p>
             <a:pPr lvl="1"/>
             <a:r>
-              <a:rPr lang="it-CH" sz="3600" dirty="0" smtClean="0"/>
+              <a:rPr lang="it-CH" sz="3600" dirty="0"/>
               <a:t>Analisi dei requisiti</a:t>
             </a:r>
-            <a:endParaRPr lang="it-CH" sz="3600" dirty="0" smtClean="0"/>
           </a:p>
           <a:p>
             <a:pPr lvl="1"/>
             <a:r>
-              <a:rPr lang="it-CH" sz="3600" dirty="0" smtClean="0"/>
+              <a:rPr lang="it-CH" sz="3600" dirty="0"/>
               <a:t>Progettazione</a:t>
             </a:r>
           </a:p>
           <a:p>
             <a:pPr lvl="1"/>
             <a:r>
-              <a:rPr lang="it-CH" sz="3600" dirty="0" smtClean="0"/>
+              <a:rPr lang="it-CH" sz="3600" dirty="0"/>
               <a:t>Implementazione</a:t>
             </a:r>
           </a:p>
           <a:p>
             <a:pPr lvl="1"/>
             <a:r>
-              <a:rPr lang="it-CH" sz="3600" dirty="0" smtClean="0"/>
+              <a:rPr lang="it-CH" sz="3600" dirty="0"/>
               <a:t>Test</a:t>
             </a:r>
-            <a:endParaRPr lang="it-CH" sz="3600" dirty="0" smtClean="0"/>
           </a:p>
           <a:p>
             <a:pPr lvl="1"/>
             <a:r>
-              <a:rPr lang="it-CH" sz="3600" dirty="0" smtClean="0"/>
+              <a:rPr lang="it-CH" sz="3600" dirty="0"/>
               <a:t>Risultato</a:t>
             </a:r>
           </a:p>
           <a:p>
             <a:pPr lvl="1"/>
             <a:r>
-              <a:rPr lang="it-CH" sz="3600" dirty="0" smtClean="0"/>
+              <a:rPr lang="it-CH" sz="3600" dirty="0"/>
               <a:t>Conclusioni</a:t>
             </a:r>
-            <a:endParaRPr lang="it-CH" sz="3600" dirty="0"/>
           </a:p>
         </p:txBody>
       </p:sp>
@@ -8691,24 +10943,795 @@
   <p:clrMapOvr>
     <a:masterClrMapping/>
   </p:clrMapOvr>
-  <mc:AlternateContent xmlns:mc="http://schemas.openxmlformats.org/markup-compatibility/2006" xmlns:p14="http://schemas.microsoft.com/office/powerpoint/2010/main">
-    <mc:Choice Requires="p14">
-      <p:transition spd="med" p14:dur="700">
-        <p:fade/>
-      </p:transition>
-    </mc:Choice>
-    <mc:Fallback xmlns="">
-      <p:transition spd="med">
-        <p:fade/>
-      </p:transition>
-    </mc:Fallback>
-  </mc:AlternateContent>
+  <p:transition spd="slow">
+    <p:push/>
+  </p:transition>
   <p:timing>
     <p:tnLst>
       <p:par>
-        <p:cTn id="1" dur="indefinite" restart="never" nodeType="tmRoot"/>
+        <p:cTn id="1" dur="indefinite" restart="never" nodeType="tmRoot">
+          <p:childTnLst>
+            <p:seq concurrent="1" nextAc="seek">
+              <p:cTn id="2" dur="indefinite" nodeType="mainSeq">
+                <p:childTnLst>
+                  <p:par>
+                    <p:cTn id="3" fill="hold">
+                      <p:stCondLst>
+                        <p:cond delay="indefinite"/>
+                        <p:cond evt="onBegin" delay="0">
+                          <p:tn val="2"/>
+                        </p:cond>
+                      </p:stCondLst>
+                      <p:childTnLst>
+                        <p:par>
+                          <p:cTn id="4" fill="hold">
+                            <p:stCondLst>
+                              <p:cond delay="0"/>
+                            </p:stCondLst>
+                            <p:childTnLst>
+                              <p:par>
+                                <p:cTn id="5" presetID="42" presetClass="entr" presetSubtype="0" fill="hold" grpId="0" nodeType="afterEffect">
+                                  <p:stCondLst>
+                                    <p:cond delay="0"/>
+                                  </p:stCondLst>
+                                  <p:childTnLst>
+                                    <p:set>
+                                      <p:cBhvr>
+                                        <p:cTn id="6" dur="1" fill="hold">
+                                          <p:stCondLst>
+                                            <p:cond delay="0"/>
+                                          </p:stCondLst>
+                                        </p:cTn>
+                                        <p:tgtEl>
+                                          <p:spTgt spid="3">
+                                            <p:txEl>
+                                              <p:pRg st="0" end="0"/>
+                                            </p:txEl>
+                                          </p:spTgt>
+                                        </p:tgtEl>
+                                        <p:attrNameLst>
+                                          <p:attrName>style.visibility</p:attrName>
+                                        </p:attrNameLst>
+                                      </p:cBhvr>
+                                      <p:to>
+                                        <p:strVal val="visible"/>
+                                      </p:to>
+                                    </p:set>
+                                    <p:animEffect transition="in" filter="fade">
+                                      <p:cBhvr>
+                                        <p:cTn id="7" dur="1000"/>
+                                        <p:tgtEl>
+                                          <p:spTgt spid="3">
+                                            <p:txEl>
+                                              <p:pRg st="0" end="0"/>
+                                            </p:txEl>
+                                          </p:spTgt>
+                                        </p:tgtEl>
+                                      </p:cBhvr>
+                                    </p:animEffect>
+                                    <p:anim calcmode="lin" valueType="num">
+                                      <p:cBhvr>
+                                        <p:cTn id="8" dur="1000" fill="hold"/>
+                                        <p:tgtEl>
+                                          <p:spTgt spid="3">
+                                            <p:txEl>
+                                              <p:pRg st="0" end="0"/>
+                                            </p:txEl>
+                                          </p:spTgt>
+                                        </p:tgtEl>
+                                        <p:attrNameLst>
+                                          <p:attrName>ppt_x</p:attrName>
+                                        </p:attrNameLst>
+                                      </p:cBhvr>
+                                      <p:tavLst>
+                                        <p:tav tm="0">
+                                          <p:val>
+                                            <p:strVal val="#ppt_x"/>
+                                          </p:val>
+                                        </p:tav>
+                                        <p:tav tm="100000">
+                                          <p:val>
+                                            <p:strVal val="#ppt_x"/>
+                                          </p:val>
+                                        </p:tav>
+                                      </p:tavLst>
+                                    </p:anim>
+                                    <p:anim calcmode="lin" valueType="num">
+                                      <p:cBhvr>
+                                        <p:cTn id="9" dur="1000" fill="hold"/>
+                                        <p:tgtEl>
+                                          <p:spTgt spid="3">
+                                            <p:txEl>
+                                              <p:pRg st="0" end="0"/>
+                                            </p:txEl>
+                                          </p:spTgt>
+                                        </p:tgtEl>
+                                        <p:attrNameLst>
+                                          <p:attrName>ppt_y</p:attrName>
+                                        </p:attrNameLst>
+                                      </p:cBhvr>
+                                      <p:tavLst>
+                                        <p:tav tm="0">
+                                          <p:val>
+                                            <p:strVal val="#ppt_y+.1"/>
+                                          </p:val>
+                                        </p:tav>
+                                        <p:tav tm="100000">
+                                          <p:val>
+                                            <p:strVal val="#ppt_y"/>
+                                          </p:val>
+                                        </p:tav>
+                                      </p:tavLst>
+                                    </p:anim>
+                                  </p:childTnLst>
+                                </p:cTn>
+                              </p:par>
+                            </p:childTnLst>
+                          </p:cTn>
+                        </p:par>
+                        <p:par>
+                          <p:cTn id="10" fill="hold">
+                            <p:stCondLst>
+                              <p:cond delay="1000"/>
+                            </p:stCondLst>
+                            <p:childTnLst>
+                              <p:par>
+                                <p:cTn id="11" presetID="42" presetClass="entr" presetSubtype="0" fill="hold" grpId="0" nodeType="afterEffect">
+                                  <p:stCondLst>
+                                    <p:cond delay="0"/>
+                                  </p:stCondLst>
+                                  <p:childTnLst>
+                                    <p:set>
+                                      <p:cBhvr>
+                                        <p:cTn id="12" dur="1" fill="hold">
+                                          <p:stCondLst>
+                                            <p:cond delay="0"/>
+                                          </p:stCondLst>
+                                        </p:cTn>
+                                        <p:tgtEl>
+                                          <p:spTgt spid="3">
+                                            <p:txEl>
+                                              <p:pRg st="1" end="1"/>
+                                            </p:txEl>
+                                          </p:spTgt>
+                                        </p:tgtEl>
+                                        <p:attrNameLst>
+                                          <p:attrName>style.visibility</p:attrName>
+                                        </p:attrNameLst>
+                                      </p:cBhvr>
+                                      <p:to>
+                                        <p:strVal val="visible"/>
+                                      </p:to>
+                                    </p:set>
+                                    <p:animEffect transition="in" filter="fade">
+                                      <p:cBhvr>
+                                        <p:cTn id="13" dur="1000"/>
+                                        <p:tgtEl>
+                                          <p:spTgt spid="3">
+                                            <p:txEl>
+                                              <p:pRg st="1" end="1"/>
+                                            </p:txEl>
+                                          </p:spTgt>
+                                        </p:tgtEl>
+                                      </p:cBhvr>
+                                    </p:animEffect>
+                                    <p:anim calcmode="lin" valueType="num">
+                                      <p:cBhvr>
+                                        <p:cTn id="14" dur="1000" fill="hold"/>
+                                        <p:tgtEl>
+                                          <p:spTgt spid="3">
+                                            <p:txEl>
+                                              <p:pRg st="1" end="1"/>
+                                            </p:txEl>
+                                          </p:spTgt>
+                                        </p:tgtEl>
+                                        <p:attrNameLst>
+                                          <p:attrName>ppt_x</p:attrName>
+                                        </p:attrNameLst>
+                                      </p:cBhvr>
+                                      <p:tavLst>
+                                        <p:tav tm="0">
+                                          <p:val>
+                                            <p:strVal val="#ppt_x"/>
+                                          </p:val>
+                                        </p:tav>
+                                        <p:tav tm="100000">
+                                          <p:val>
+                                            <p:strVal val="#ppt_x"/>
+                                          </p:val>
+                                        </p:tav>
+                                      </p:tavLst>
+                                    </p:anim>
+                                    <p:anim calcmode="lin" valueType="num">
+                                      <p:cBhvr>
+                                        <p:cTn id="15" dur="1000" fill="hold"/>
+                                        <p:tgtEl>
+                                          <p:spTgt spid="3">
+                                            <p:txEl>
+                                              <p:pRg st="1" end="1"/>
+                                            </p:txEl>
+                                          </p:spTgt>
+                                        </p:tgtEl>
+                                        <p:attrNameLst>
+                                          <p:attrName>ppt_y</p:attrName>
+                                        </p:attrNameLst>
+                                      </p:cBhvr>
+                                      <p:tavLst>
+                                        <p:tav tm="0">
+                                          <p:val>
+                                            <p:strVal val="#ppt_y+.1"/>
+                                          </p:val>
+                                        </p:tav>
+                                        <p:tav tm="100000">
+                                          <p:val>
+                                            <p:strVal val="#ppt_y"/>
+                                          </p:val>
+                                        </p:tav>
+                                      </p:tavLst>
+                                    </p:anim>
+                                  </p:childTnLst>
+                                </p:cTn>
+                              </p:par>
+                            </p:childTnLst>
+                          </p:cTn>
+                        </p:par>
+                        <p:par>
+                          <p:cTn id="16" fill="hold">
+                            <p:stCondLst>
+                              <p:cond delay="2000"/>
+                            </p:stCondLst>
+                            <p:childTnLst>
+                              <p:par>
+                                <p:cTn id="17" presetID="42" presetClass="entr" presetSubtype="0" fill="hold" grpId="0" nodeType="afterEffect">
+                                  <p:stCondLst>
+                                    <p:cond delay="0"/>
+                                  </p:stCondLst>
+                                  <p:childTnLst>
+                                    <p:set>
+                                      <p:cBhvr>
+                                        <p:cTn id="18" dur="1" fill="hold">
+                                          <p:stCondLst>
+                                            <p:cond delay="0"/>
+                                          </p:stCondLst>
+                                        </p:cTn>
+                                        <p:tgtEl>
+                                          <p:spTgt spid="3">
+                                            <p:txEl>
+                                              <p:pRg st="2" end="2"/>
+                                            </p:txEl>
+                                          </p:spTgt>
+                                        </p:tgtEl>
+                                        <p:attrNameLst>
+                                          <p:attrName>style.visibility</p:attrName>
+                                        </p:attrNameLst>
+                                      </p:cBhvr>
+                                      <p:to>
+                                        <p:strVal val="visible"/>
+                                      </p:to>
+                                    </p:set>
+                                    <p:animEffect transition="in" filter="fade">
+                                      <p:cBhvr>
+                                        <p:cTn id="19" dur="1000"/>
+                                        <p:tgtEl>
+                                          <p:spTgt spid="3">
+                                            <p:txEl>
+                                              <p:pRg st="2" end="2"/>
+                                            </p:txEl>
+                                          </p:spTgt>
+                                        </p:tgtEl>
+                                      </p:cBhvr>
+                                    </p:animEffect>
+                                    <p:anim calcmode="lin" valueType="num">
+                                      <p:cBhvr>
+                                        <p:cTn id="20" dur="1000" fill="hold"/>
+                                        <p:tgtEl>
+                                          <p:spTgt spid="3">
+                                            <p:txEl>
+                                              <p:pRg st="2" end="2"/>
+                                            </p:txEl>
+                                          </p:spTgt>
+                                        </p:tgtEl>
+                                        <p:attrNameLst>
+                                          <p:attrName>ppt_x</p:attrName>
+                                        </p:attrNameLst>
+                                      </p:cBhvr>
+                                      <p:tavLst>
+                                        <p:tav tm="0">
+                                          <p:val>
+                                            <p:strVal val="#ppt_x"/>
+                                          </p:val>
+                                        </p:tav>
+                                        <p:tav tm="100000">
+                                          <p:val>
+                                            <p:strVal val="#ppt_x"/>
+                                          </p:val>
+                                        </p:tav>
+                                      </p:tavLst>
+                                    </p:anim>
+                                    <p:anim calcmode="lin" valueType="num">
+                                      <p:cBhvr>
+                                        <p:cTn id="21" dur="1000" fill="hold"/>
+                                        <p:tgtEl>
+                                          <p:spTgt spid="3">
+                                            <p:txEl>
+                                              <p:pRg st="2" end="2"/>
+                                            </p:txEl>
+                                          </p:spTgt>
+                                        </p:tgtEl>
+                                        <p:attrNameLst>
+                                          <p:attrName>ppt_y</p:attrName>
+                                        </p:attrNameLst>
+                                      </p:cBhvr>
+                                      <p:tavLst>
+                                        <p:tav tm="0">
+                                          <p:val>
+                                            <p:strVal val="#ppt_y+.1"/>
+                                          </p:val>
+                                        </p:tav>
+                                        <p:tav tm="100000">
+                                          <p:val>
+                                            <p:strVal val="#ppt_y"/>
+                                          </p:val>
+                                        </p:tav>
+                                      </p:tavLst>
+                                    </p:anim>
+                                  </p:childTnLst>
+                                </p:cTn>
+                              </p:par>
+                            </p:childTnLst>
+                          </p:cTn>
+                        </p:par>
+                        <p:par>
+                          <p:cTn id="22" fill="hold">
+                            <p:stCondLst>
+                              <p:cond delay="3000"/>
+                            </p:stCondLst>
+                            <p:childTnLst>
+                              <p:par>
+                                <p:cTn id="23" presetID="42" presetClass="entr" presetSubtype="0" fill="hold" grpId="0" nodeType="afterEffect">
+                                  <p:stCondLst>
+                                    <p:cond delay="0"/>
+                                  </p:stCondLst>
+                                  <p:childTnLst>
+                                    <p:set>
+                                      <p:cBhvr>
+                                        <p:cTn id="24" dur="1" fill="hold">
+                                          <p:stCondLst>
+                                            <p:cond delay="0"/>
+                                          </p:stCondLst>
+                                        </p:cTn>
+                                        <p:tgtEl>
+                                          <p:spTgt spid="3">
+                                            <p:txEl>
+                                              <p:pRg st="3" end="3"/>
+                                            </p:txEl>
+                                          </p:spTgt>
+                                        </p:tgtEl>
+                                        <p:attrNameLst>
+                                          <p:attrName>style.visibility</p:attrName>
+                                        </p:attrNameLst>
+                                      </p:cBhvr>
+                                      <p:to>
+                                        <p:strVal val="visible"/>
+                                      </p:to>
+                                    </p:set>
+                                    <p:animEffect transition="in" filter="fade">
+                                      <p:cBhvr>
+                                        <p:cTn id="25" dur="1000"/>
+                                        <p:tgtEl>
+                                          <p:spTgt spid="3">
+                                            <p:txEl>
+                                              <p:pRg st="3" end="3"/>
+                                            </p:txEl>
+                                          </p:spTgt>
+                                        </p:tgtEl>
+                                      </p:cBhvr>
+                                    </p:animEffect>
+                                    <p:anim calcmode="lin" valueType="num">
+                                      <p:cBhvr>
+                                        <p:cTn id="26" dur="1000" fill="hold"/>
+                                        <p:tgtEl>
+                                          <p:spTgt spid="3">
+                                            <p:txEl>
+                                              <p:pRg st="3" end="3"/>
+                                            </p:txEl>
+                                          </p:spTgt>
+                                        </p:tgtEl>
+                                        <p:attrNameLst>
+                                          <p:attrName>ppt_x</p:attrName>
+                                        </p:attrNameLst>
+                                      </p:cBhvr>
+                                      <p:tavLst>
+                                        <p:tav tm="0">
+                                          <p:val>
+                                            <p:strVal val="#ppt_x"/>
+                                          </p:val>
+                                        </p:tav>
+                                        <p:tav tm="100000">
+                                          <p:val>
+                                            <p:strVal val="#ppt_x"/>
+                                          </p:val>
+                                        </p:tav>
+                                      </p:tavLst>
+                                    </p:anim>
+                                    <p:anim calcmode="lin" valueType="num">
+                                      <p:cBhvr>
+                                        <p:cTn id="27" dur="1000" fill="hold"/>
+                                        <p:tgtEl>
+                                          <p:spTgt spid="3">
+                                            <p:txEl>
+                                              <p:pRg st="3" end="3"/>
+                                            </p:txEl>
+                                          </p:spTgt>
+                                        </p:tgtEl>
+                                        <p:attrNameLst>
+                                          <p:attrName>ppt_y</p:attrName>
+                                        </p:attrNameLst>
+                                      </p:cBhvr>
+                                      <p:tavLst>
+                                        <p:tav tm="0">
+                                          <p:val>
+                                            <p:strVal val="#ppt_y+.1"/>
+                                          </p:val>
+                                        </p:tav>
+                                        <p:tav tm="100000">
+                                          <p:val>
+                                            <p:strVal val="#ppt_y"/>
+                                          </p:val>
+                                        </p:tav>
+                                      </p:tavLst>
+                                    </p:anim>
+                                  </p:childTnLst>
+                                </p:cTn>
+                              </p:par>
+                            </p:childTnLst>
+                          </p:cTn>
+                        </p:par>
+                        <p:par>
+                          <p:cTn id="28" fill="hold">
+                            <p:stCondLst>
+                              <p:cond delay="4000"/>
+                            </p:stCondLst>
+                            <p:childTnLst>
+                              <p:par>
+                                <p:cTn id="29" presetID="42" presetClass="entr" presetSubtype="0" fill="hold" grpId="0" nodeType="afterEffect">
+                                  <p:stCondLst>
+                                    <p:cond delay="0"/>
+                                  </p:stCondLst>
+                                  <p:childTnLst>
+                                    <p:set>
+                                      <p:cBhvr>
+                                        <p:cTn id="30" dur="1" fill="hold">
+                                          <p:stCondLst>
+                                            <p:cond delay="0"/>
+                                          </p:stCondLst>
+                                        </p:cTn>
+                                        <p:tgtEl>
+                                          <p:spTgt spid="3">
+                                            <p:txEl>
+                                              <p:pRg st="4" end="4"/>
+                                            </p:txEl>
+                                          </p:spTgt>
+                                        </p:tgtEl>
+                                        <p:attrNameLst>
+                                          <p:attrName>style.visibility</p:attrName>
+                                        </p:attrNameLst>
+                                      </p:cBhvr>
+                                      <p:to>
+                                        <p:strVal val="visible"/>
+                                      </p:to>
+                                    </p:set>
+                                    <p:animEffect transition="in" filter="fade">
+                                      <p:cBhvr>
+                                        <p:cTn id="31" dur="1000"/>
+                                        <p:tgtEl>
+                                          <p:spTgt spid="3">
+                                            <p:txEl>
+                                              <p:pRg st="4" end="4"/>
+                                            </p:txEl>
+                                          </p:spTgt>
+                                        </p:tgtEl>
+                                      </p:cBhvr>
+                                    </p:animEffect>
+                                    <p:anim calcmode="lin" valueType="num">
+                                      <p:cBhvr>
+                                        <p:cTn id="32" dur="1000" fill="hold"/>
+                                        <p:tgtEl>
+                                          <p:spTgt spid="3">
+                                            <p:txEl>
+                                              <p:pRg st="4" end="4"/>
+                                            </p:txEl>
+                                          </p:spTgt>
+                                        </p:tgtEl>
+                                        <p:attrNameLst>
+                                          <p:attrName>ppt_x</p:attrName>
+                                        </p:attrNameLst>
+                                      </p:cBhvr>
+                                      <p:tavLst>
+                                        <p:tav tm="0">
+                                          <p:val>
+                                            <p:strVal val="#ppt_x"/>
+                                          </p:val>
+                                        </p:tav>
+                                        <p:tav tm="100000">
+                                          <p:val>
+                                            <p:strVal val="#ppt_x"/>
+                                          </p:val>
+                                        </p:tav>
+                                      </p:tavLst>
+                                    </p:anim>
+                                    <p:anim calcmode="lin" valueType="num">
+                                      <p:cBhvr>
+                                        <p:cTn id="33" dur="1000" fill="hold"/>
+                                        <p:tgtEl>
+                                          <p:spTgt spid="3">
+                                            <p:txEl>
+                                              <p:pRg st="4" end="4"/>
+                                            </p:txEl>
+                                          </p:spTgt>
+                                        </p:tgtEl>
+                                        <p:attrNameLst>
+                                          <p:attrName>ppt_y</p:attrName>
+                                        </p:attrNameLst>
+                                      </p:cBhvr>
+                                      <p:tavLst>
+                                        <p:tav tm="0">
+                                          <p:val>
+                                            <p:strVal val="#ppt_y+.1"/>
+                                          </p:val>
+                                        </p:tav>
+                                        <p:tav tm="100000">
+                                          <p:val>
+                                            <p:strVal val="#ppt_y"/>
+                                          </p:val>
+                                        </p:tav>
+                                      </p:tavLst>
+                                    </p:anim>
+                                  </p:childTnLst>
+                                </p:cTn>
+                              </p:par>
+                            </p:childTnLst>
+                          </p:cTn>
+                        </p:par>
+                        <p:par>
+                          <p:cTn id="34" fill="hold">
+                            <p:stCondLst>
+                              <p:cond delay="5000"/>
+                            </p:stCondLst>
+                            <p:childTnLst>
+                              <p:par>
+                                <p:cTn id="35" presetID="42" presetClass="entr" presetSubtype="0" fill="hold" grpId="0" nodeType="afterEffect">
+                                  <p:stCondLst>
+                                    <p:cond delay="0"/>
+                                  </p:stCondLst>
+                                  <p:childTnLst>
+                                    <p:set>
+                                      <p:cBhvr>
+                                        <p:cTn id="36" dur="1" fill="hold">
+                                          <p:stCondLst>
+                                            <p:cond delay="0"/>
+                                          </p:stCondLst>
+                                        </p:cTn>
+                                        <p:tgtEl>
+                                          <p:spTgt spid="3">
+                                            <p:txEl>
+                                              <p:pRg st="5" end="5"/>
+                                            </p:txEl>
+                                          </p:spTgt>
+                                        </p:tgtEl>
+                                        <p:attrNameLst>
+                                          <p:attrName>style.visibility</p:attrName>
+                                        </p:attrNameLst>
+                                      </p:cBhvr>
+                                      <p:to>
+                                        <p:strVal val="visible"/>
+                                      </p:to>
+                                    </p:set>
+                                    <p:animEffect transition="in" filter="fade">
+                                      <p:cBhvr>
+                                        <p:cTn id="37" dur="1000"/>
+                                        <p:tgtEl>
+                                          <p:spTgt spid="3">
+                                            <p:txEl>
+                                              <p:pRg st="5" end="5"/>
+                                            </p:txEl>
+                                          </p:spTgt>
+                                        </p:tgtEl>
+                                      </p:cBhvr>
+                                    </p:animEffect>
+                                    <p:anim calcmode="lin" valueType="num">
+                                      <p:cBhvr>
+                                        <p:cTn id="38" dur="1000" fill="hold"/>
+                                        <p:tgtEl>
+                                          <p:spTgt spid="3">
+                                            <p:txEl>
+                                              <p:pRg st="5" end="5"/>
+                                            </p:txEl>
+                                          </p:spTgt>
+                                        </p:tgtEl>
+                                        <p:attrNameLst>
+                                          <p:attrName>ppt_x</p:attrName>
+                                        </p:attrNameLst>
+                                      </p:cBhvr>
+                                      <p:tavLst>
+                                        <p:tav tm="0">
+                                          <p:val>
+                                            <p:strVal val="#ppt_x"/>
+                                          </p:val>
+                                        </p:tav>
+                                        <p:tav tm="100000">
+                                          <p:val>
+                                            <p:strVal val="#ppt_x"/>
+                                          </p:val>
+                                        </p:tav>
+                                      </p:tavLst>
+                                    </p:anim>
+                                    <p:anim calcmode="lin" valueType="num">
+                                      <p:cBhvr>
+                                        <p:cTn id="39" dur="1000" fill="hold"/>
+                                        <p:tgtEl>
+                                          <p:spTgt spid="3">
+                                            <p:txEl>
+                                              <p:pRg st="5" end="5"/>
+                                            </p:txEl>
+                                          </p:spTgt>
+                                        </p:tgtEl>
+                                        <p:attrNameLst>
+                                          <p:attrName>ppt_y</p:attrName>
+                                        </p:attrNameLst>
+                                      </p:cBhvr>
+                                      <p:tavLst>
+                                        <p:tav tm="0">
+                                          <p:val>
+                                            <p:strVal val="#ppt_y+.1"/>
+                                          </p:val>
+                                        </p:tav>
+                                        <p:tav tm="100000">
+                                          <p:val>
+                                            <p:strVal val="#ppt_y"/>
+                                          </p:val>
+                                        </p:tav>
+                                      </p:tavLst>
+                                    </p:anim>
+                                  </p:childTnLst>
+                                </p:cTn>
+                              </p:par>
+                            </p:childTnLst>
+                          </p:cTn>
+                        </p:par>
+                        <p:par>
+                          <p:cTn id="40" fill="hold">
+                            <p:stCondLst>
+                              <p:cond delay="6000"/>
+                            </p:stCondLst>
+                            <p:childTnLst>
+                              <p:par>
+                                <p:cTn id="41" presetID="42" presetClass="entr" presetSubtype="0" fill="hold" grpId="0" nodeType="afterEffect">
+                                  <p:stCondLst>
+                                    <p:cond delay="0"/>
+                                  </p:stCondLst>
+                                  <p:childTnLst>
+                                    <p:set>
+                                      <p:cBhvr>
+                                        <p:cTn id="42" dur="1" fill="hold">
+                                          <p:stCondLst>
+                                            <p:cond delay="0"/>
+                                          </p:stCondLst>
+                                        </p:cTn>
+                                        <p:tgtEl>
+                                          <p:spTgt spid="3">
+                                            <p:txEl>
+                                              <p:pRg st="6" end="6"/>
+                                            </p:txEl>
+                                          </p:spTgt>
+                                        </p:tgtEl>
+                                        <p:attrNameLst>
+                                          <p:attrName>style.visibility</p:attrName>
+                                        </p:attrNameLst>
+                                      </p:cBhvr>
+                                      <p:to>
+                                        <p:strVal val="visible"/>
+                                      </p:to>
+                                    </p:set>
+                                    <p:animEffect transition="in" filter="fade">
+                                      <p:cBhvr>
+                                        <p:cTn id="43" dur="1000"/>
+                                        <p:tgtEl>
+                                          <p:spTgt spid="3">
+                                            <p:txEl>
+                                              <p:pRg st="6" end="6"/>
+                                            </p:txEl>
+                                          </p:spTgt>
+                                        </p:tgtEl>
+                                      </p:cBhvr>
+                                    </p:animEffect>
+                                    <p:anim calcmode="lin" valueType="num">
+                                      <p:cBhvr>
+                                        <p:cTn id="44" dur="1000" fill="hold"/>
+                                        <p:tgtEl>
+                                          <p:spTgt spid="3">
+                                            <p:txEl>
+                                              <p:pRg st="6" end="6"/>
+                                            </p:txEl>
+                                          </p:spTgt>
+                                        </p:tgtEl>
+                                        <p:attrNameLst>
+                                          <p:attrName>ppt_x</p:attrName>
+                                        </p:attrNameLst>
+                                      </p:cBhvr>
+                                      <p:tavLst>
+                                        <p:tav tm="0">
+                                          <p:val>
+                                            <p:strVal val="#ppt_x"/>
+                                          </p:val>
+                                        </p:tav>
+                                        <p:tav tm="100000">
+                                          <p:val>
+                                            <p:strVal val="#ppt_x"/>
+                                          </p:val>
+                                        </p:tav>
+                                      </p:tavLst>
+                                    </p:anim>
+                                    <p:anim calcmode="lin" valueType="num">
+                                      <p:cBhvr>
+                                        <p:cTn id="45" dur="1000" fill="hold"/>
+                                        <p:tgtEl>
+                                          <p:spTgt spid="3">
+                                            <p:txEl>
+                                              <p:pRg st="6" end="6"/>
+                                            </p:txEl>
+                                          </p:spTgt>
+                                        </p:tgtEl>
+                                        <p:attrNameLst>
+                                          <p:attrName>ppt_y</p:attrName>
+                                        </p:attrNameLst>
+                                      </p:cBhvr>
+                                      <p:tavLst>
+                                        <p:tav tm="0">
+                                          <p:val>
+                                            <p:strVal val="#ppt_y+.1"/>
+                                          </p:val>
+                                        </p:tav>
+                                        <p:tav tm="100000">
+                                          <p:val>
+                                            <p:strVal val="#ppt_y"/>
+                                          </p:val>
+                                        </p:tav>
+                                      </p:tavLst>
+                                    </p:anim>
+                                  </p:childTnLst>
+                                </p:cTn>
+                              </p:par>
+                            </p:childTnLst>
+                          </p:cTn>
+                        </p:par>
+                      </p:childTnLst>
+                    </p:cTn>
+                  </p:par>
+                </p:childTnLst>
+              </p:cTn>
+              <p:prevCondLst>
+                <p:cond evt="onPrev" delay="0">
+                  <p:tgtEl>
+                    <p:sldTgt/>
+                  </p:tgtEl>
+                </p:cond>
+              </p:prevCondLst>
+              <p:nextCondLst>
+                <p:cond evt="onNext" delay="0">
+                  <p:tgtEl>
+                    <p:sldTgt/>
+                  </p:tgtEl>
+                </p:cond>
+              </p:nextCondLst>
+            </p:seq>
+          </p:childTnLst>
+        </p:cTn>
       </p:par>
     </p:tnLst>
+    <p:bldLst>
+      <p:bldP spid="3" grpId="0" uiExpand="1" build="p"/>
+    </p:bldLst>
   </p:timing>
 </p:sld>
 </file>
@@ -8803,7 +11826,7 @@
         <p:spPr>
           <a:xfrm>
             <a:off x="1212351" y="1845735"/>
-            <a:ext cx="9943329" cy="4023360"/>
+            <a:ext cx="5607549" cy="4023360"/>
           </a:xfrm>
         </p:spPr>
         <p:txBody>
@@ -8819,7 +11842,7 @@
             </a:r>
             <a:r>
               <a:rPr lang="it-CH" dirty="0" smtClean="0"/>
-              <a:t>è creare un orologio</a:t>
+              <a:t>è creare una ventola che sfrutti la persistenza ottica dei nostri occhi.</a:t>
             </a:r>
             <a:endParaRPr lang="it-CH" dirty="0"/>
           </a:p>
@@ -8841,7 +11864,7 @@
         </p:blipFill>
         <p:spPr>
           <a:xfrm>
-            <a:off x="6991350" y="2313041"/>
+            <a:off x="7235190" y="2313041"/>
             <a:ext cx="3157537" cy="3088745"/>
           </a:xfrm>
           <a:prstGeom prst="rect">
@@ -8859,24 +11882,191 @@
   <p:clrMapOvr>
     <a:masterClrMapping/>
   </p:clrMapOvr>
-  <mc:AlternateContent xmlns:mc="http://schemas.openxmlformats.org/markup-compatibility/2006" xmlns:p14="http://schemas.microsoft.com/office/powerpoint/2010/main">
-    <mc:Choice Requires="p14">
-      <p:transition spd="med" p14:dur="700">
-        <p:fade/>
-      </p:transition>
-    </mc:Choice>
-    <mc:Fallback xmlns="">
-      <p:transition spd="med">
-        <p:fade/>
-      </p:transition>
-    </mc:Fallback>
-  </mc:AlternateContent>
+  <p:transition spd="slow">
+    <p:push/>
+  </p:transition>
   <p:timing>
     <p:tnLst>
       <p:par>
-        <p:cTn id="1" dur="indefinite" restart="never" nodeType="tmRoot"/>
+        <p:cTn id="1" dur="indefinite" restart="never" nodeType="tmRoot">
+          <p:childTnLst>
+            <p:seq concurrent="1" nextAc="seek">
+              <p:cTn id="2" dur="indefinite" nodeType="mainSeq">
+                <p:childTnLst>
+                  <p:par>
+                    <p:cTn id="3" fill="hold">
+                      <p:stCondLst>
+                        <p:cond delay="indefinite"/>
+                      </p:stCondLst>
+                      <p:childTnLst>
+                        <p:par>
+                          <p:cTn id="4" fill="hold">
+                            <p:stCondLst>
+                              <p:cond delay="0"/>
+                            </p:stCondLst>
+                            <p:childTnLst>
+                              <p:par>
+                                <p:cTn id="5" presetID="42" presetClass="entr" presetSubtype="0" fill="hold" grpId="0" nodeType="clickEffect">
+                                  <p:stCondLst>
+                                    <p:cond delay="0"/>
+                                  </p:stCondLst>
+                                  <p:childTnLst>
+                                    <p:set>
+                                      <p:cBhvr>
+                                        <p:cTn id="6" dur="1" fill="hold">
+                                          <p:stCondLst>
+                                            <p:cond delay="0"/>
+                                          </p:stCondLst>
+                                        </p:cTn>
+                                        <p:tgtEl>
+                                          <p:spTgt spid="4">
+                                            <p:txEl>
+                                              <p:pRg st="1" end="1"/>
+                                            </p:txEl>
+                                          </p:spTgt>
+                                        </p:tgtEl>
+                                        <p:attrNameLst>
+                                          <p:attrName>style.visibility</p:attrName>
+                                        </p:attrNameLst>
+                                      </p:cBhvr>
+                                      <p:to>
+                                        <p:strVal val="visible"/>
+                                      </p:to>
+                                    </p:set>
+                                    <p:animEffect transition="in" filter="fade">
+                                      <p:cBhvr>
+                                        <p:cTn id="7" dur="1000"/>
+                                        <p:tgtEl>
+                                          <p:spTgt spid="4">
+                                            <p:txEl>
+                                              <p:pRg st="1" end="1"/>
+                                            </p:txEl>
+                                          </p:spTgt>
+                                        </p:tgtEl>
+                                      </p:cBhvr>
+                                    </p:animEffect>
+                                    <p:anim calcmode="lin" valueType="num">
+                                      <p:cBhvr>
+                                        <p:cTn id="8" dur="1000" fill="hold"/>
+                                        <p:tgtEl>
+                                          <p:spTgt spid="4">
+                                            <p:txEl>
+                                              <p:pRg st="1" end="1"/>
+                                            </p:txEl>
+                                          </p:spTgt>
+                                        </p:tgtEl>
+                                        <p:attrNameLst>
+                                          <p:attrName>ppt_x</p:attrName>
+                                        </p:attrNameLst>
+                                      </p:cBhvr>
+                                      <p:tavLst>
+                                        <p:tav tm="0">
+                                          <p:val>
+                                            <p:strVal val="#ppt_x"/>
+                                          </p:val>
+                                        </p:tav>
+                                        <p:tav tm="100000">
+                                          <p:val>
+                                            <p:strVal val="#ppt_x"/>
+                                          </p:val>
+                                        </p:tav>
+                                      </p:tavLst>
+                                    </p:anim>
+                                    <p:anim calcmode="lin" valueType="num">
+                                      <p:cBhvr>
+                                        <p:cTn id="9" dur="1000" fill="hold"/>
+                                        <p:tgtEl>
+                                          <p:spTgt spid="4">
+                                            <p:txEl>
+                                              <p:pRg st="1" end="1"/>
+                                            </p:txEl>
+                                          </p:spTgt>
+                                        </p:tgtEl>
+                                        <p:attrNameLst>
+                                          <p:attrName>ppt_y</p:attrName>
+                                        </p:attrNameLst>
+                                      </p:cBhvr>
+                                      <p:tavLst>
+                                        <p:tav tm="0">
+                                          <p:val>
+                                            <p:strVal val="#ppt_y+.1"/>
+                                          </p:val>
+                                        </p:tav>
+                                        <p:tav tm="100000">
+                                          <p:val>
+                                            <p:strVal val="#ppt_y"/>
+                                          </p:val>
+                                        </p:tav>
+                                      </p:tavLst>
+                                    </p:anim>
+                                  </p:childTnLst>
+                                </p:cTn>
+                              </p:par>
+                              <p:par>
+                                <p:cTn id="10" presetID="21" presetClass="entr" presetSubtype="1" fill="hold" nodeType="withEffect">
+                                  <p:stCondLst>
+                                    <p:cond delay="0"/>
+                                  </p:stCondLst>
+                                  <p:childTnLst>
+                                    <p:set>
+                                      <p:cBhvr>
+                                        <p:cTn id="11" dur="1" fill="hold">
+                                          <p:stCondLst>
+                                            <p:cond delay="0"/>
+                                          </p:stCondLst>
+                                        </p:cTn>
+                                        <p:tgtEl>
+                                          <p:spTgt spid="5"/>
+                                        </p:tgtEl>
+                                        <p:attrNameLst>
+                                          <p:attrName>style.visibility</p:attrName>
+                                        </p:attrNameLst>
+                                      </p:cBhvr>
+                                      <p:to>
+                                        <p:strVal val="visible"/>
+                                      </p:to>
+                                    </p:set>
+                                    <p:animEffect transition="in" filter="wheel(1)">
+                                      <p:cBhvr>
+                                        <p:cTn id="12" dur="2000"/>
+                                        <p:tgtEl>
+                                          <p:spTgt spid="5"/>
+                                        </p:tgtEl>
+                                      </p:cBhvr>
+                                    </p:animEffect>
+                                  </p:childTnLst>
+                                </p:cTn>
+                              </p:par>
+                            </p:childTnLst>
+                          </p:cTn>
+                        </p:par>
+                      </p:childTnLst>
+                    </p:cTn>
+                  </p:par>
+                </p:childTnLst>
+              </p:cTn>
+              <p:prevCondLst>
+                <p:cond evt="onPrev" delay="0">
+                  <p:tgtEl>
+                    <p:sldTgt/>
+                  </p:tgtEl>
+                </p:cond>
+              </p:prevCondLst>
+              <p:nextCondLst>
+                <p:cond evt="onNext" delay="0">
+                  <p:tgtEl>
+                    <p:sldTgt/>
+                  </p:tgtEl>
+                </p:cond>
+              </p:nextCondLst>
+            </p:seq>
+          </p:childTnLst>
+        </p:cTn>
       </p:par>
     </p:tnLst>
+    <p:bldLst>
+      <p:bldP spid="4" grpId="0" build="p"/>
+    </p:bldLst>
   </p:timing>
 </p:sld>
 </file>
@@ -9353,12 +12543,12 @@
                         </a:spcAft>
                       </a:pPr>
                       <a:r>
-                        <a:rPr lang="it-CH" sz="1000">
+                        <a:rPr lang="it-CH" sz="1000" dirty="0">
                           <a:effectLst/>
                         </a:rPr>
                         <a:t>L’Arduino sarà alimentato tramite un cavo</a:t>
                       </a:r>
-                      <a:endParaRPr lang="it-CH" sz="1000">
+                      <a:endParaRPr lang="it-CH" sz="1000" dirty="0">
                         <a:effectLst/>
                         <a:latin typeface="Arial" panose="020B0604020202020204" pitchFamily="34" charset="0"/>
                         <a:ea typeface="Times New Roman" panose="02020603050405020304" pitchFamily="18" charset="0"/>
@@ -10330,6 +13520,9 @@
   <p:clrMapOvr>
     <a:masterClrMapping/>
   </p:clrMapOvr>
+  <p:transition spd="slow">
+    <p:push/>
+  </p:transition>
   <p:timing>
     <p:tnLst>
       <p:par>
@@ -10444,18 +13637,9 @@
   <p:clrMapOvr>
     <a:masterClrMapping/>
   </p:clrMapOvr>
-  <mc:AlternateContent xmlns:mc="http://schemas.openxmlformats.org/markup-compatibility/2006" xmlns:p14="http://schemas.microsoft.com/office/powerpoint/2010/main">
-    <mc:Choice Requires="p14">
-      <p:transition spd="med" p14:dur="700">
-        <p:fade/>
-      </p:transition>
-    </mc:Choice>
-    <mc:Fallback xmlns="">
-      <p:transition spd="med">
-        <p:fade/>
-      </p:transition>
-    </mc:Fallback>
-  </mc:AlternateContent>
+  <p:transition spd="slow">
+    <p:push/>
+  </p:transition>
   <p:timing>
     <p:tnLst>
       <p:par>
@@ -10467,6 +13651,381 @@
 </file>
 
 <file path=ppt/slides/slide6.xml><?xml version="1.0" encoding="utf-8"?>
+<p:sld xmlns:a="http://schemas.openxmlformats.org/drawingml/2006/main" xmlns:r="http://schemas.openxmlformats.org/officeDocument/2006/relationships" xmlns:p="http://schemas.openxmlformats.org/presentationml/2006/main">
+  <p:cSld>
+    <p:spTree>
+      <p:nvGrpSpPr>
+        <p:cNvPr id="1" name=""/>
+        <p:cNvGrpSpPr/>
+        <p:nvPr/>
+      </p:nvGrpSpPr>
+      <p:grpSpPr>
+        <a:xfrm>
+          <a:off x="0" y="0"/>
+          <a:ext cx="0" cy="0"/>
+          <a:chOff x="0" y="0"/>
+          <a:chExt cx="0" cy="0"/>
+        </a:xfrm>
+      </p:grpSpPr>
+      <p:sp>
+        <p:nvSpPr>
+          <p:cNvPr id="6" name="Titolo 1"/>
+          <p:cNvSpPr txBox="1">
+            <a:spLocks/>
+          </p:cNvSpPr>
+          <p:nvPr/>
+        </p:nvSpPr>
+        <p:spPr>
+          <a:xfrm>
+            <a:off x="1097280" y="236596"/>
+            <a:ext cx="10058400" cy="1450757"/>
+          </a:xfrm>
+          <a:prstGeom prst="rect">
+            <a:avLst/>
+          </a:prstGeom>
+        </p:spPr>
+        <p:txBody>
+          <a:bodyPr vert="horz" lIns="91440" tIns="45720" rIns="91440" bIns="45720" rtlCol="0" anchor="b">
+            <a:normAutofit/>
+          </a:bodyPr>
+          <a:lstStyle>
+            <a:lvl1pPr algn="l" defTabSz="914400" rtl="0" eaLnBrk="1" latinLnBrk="0" hangingPunct="1">
+              <a:lnSpc>
+                <a:spcPct val="85000"/>
+              </a:lnSpc>
+              <a:spcBef>
+                <a:spcPct val="0"/>
+              </a:spcBef>
+              <a:buNone/>
+              <a:defRPr sz="4800" kern="1200" spc="-50" baseline="0">
+                <a:solidFill>
+                  <a:schemeClr val="tx1">
+                    <a:lumMod val="75000"/>
+                    <a:lumOff val="25000"/>
+                  </a:schemeClr>
+                </a:solidFill>
+                <a:latin typeface="+mj-lt"/>
+                <a:ea typeface="+mj-ea"/>
+                <a:cs typeface="+mj-cs"/>
+              </a:defRPr>
+            </a:lvl1pPr>
+          </a:lstStyle>
+          <a:p>
+            <a:r>
+              <a:rPr lang="it-CH" dirty="0" smtClean="0"/>
+              <a:t>Implementazione</a:t>
+            </a:r>
+            <a:endParaRPr lang="it-CH" dirty="0"/>
+          </a:p>
+        </p:txBody>
+      </p:sp>
+      <p:sp>
+        <p:nvSpPr>
+          <p:cNvPr id="12" name="Segnaposto contenuto 2"/>
+          <p:cNvSpPr>
+            <a:spLocks noGrp="1"/>
+          </p:cNvSpPr>
+          <p:nvPr>
+            <p:ph sz="half" idx="1"/>
+          </p:nvPr>
+        </p:nvSpPr>
+        <p:spPr>
+          <a:xfrm>
+            <a:off x="1097280" y="2492120"/>
+            <a:ext cx="7100790" cy="2284832"/>
+          </a:xfrm>
+        </p:spPr>
+        <p:txBody>
+          <a:bodyPr>
+            <a:normAutofit/>
+          </a:bodyPr>
+          <a:lstStyle/>
+          <a:p>
+            <a:pPr>
+              <a:buFont typeface="Courier New" panose="02070309020205020404" pitchFamily="49" charset="0"/>
+              <a:buChar char="o"/>
+            </a:pPr>
+            <a:r>
+              <a:rPr lang="it-CH" sz="3600" dirty="0" smtClean="0"/>
+              <a:t> Arduino uno</a:t>
+            </a:r>
+            <a:endParaRPr lang="it-CH" sz="3600" dirty="0"/>
+          </a:p>
+        </p:txBody>
+      </p:sp>
+      <p:pic>
+        <p:nvPicPr>
+          <p:cNvPr id="13" name="Immagine 12"/>
+          <p:cNvPicPr>
+            <a:picLocks noChangeAspect="1"/>
+          </p:cNvPicPr>
+          <p:nvPr/>
+        </p:nvPicPr>
+        <p:blipFill>
+          <a:blip r:embed="rId3"/>
+          <a:stretch>
+            <a:fillRect/>
+          </a:stretch>
+        </p:blipFill>
+        <p:spPr>
+          <a:xfrm>
+            <a:off x="4526280" y="2152436"/>
+            <a:ext cx="6103620" cy="3833073"/>
+          </a:xfrm>
+          <a:prstGeom prst="rect">
+            <a:avLst/>
+          </a:prstGeom>
+        </p:spPr>
+      </p:pic>
+    </p:spTree>
+    <p:extLst>
+      <p:ext uri="{BB962C8B-B14F-4D97-AF65-F5344CB8AC3E}">
+        <p14:creationId xmlns:p14="http://schemas.microsoft.com/office/powerpoint/2010/main" val="2683353520"/>
+      </p:ext>
+    </p:extLst>
+  </p:cSld>
+  <p:clrMapOvr>
+    <a:masterClrMapping/>
+  </p:clrMapOvr>
+  <p:transition spd="slow">
+    <p:push/>
+  </p:transition>
+  <p:timing>
+    <p:tnLst>
+      <p:par>
+        <p:cTn id="1" dur="indefinite" restart="never" nodeType="tmRoot">
+          <p:childTnLst>
+            <p:seq concurrent="1" nextAc="seek">
+              <p:cTn id="2" dur="indefinite" nodeType="mainSeq">
+                <p:childTnLst>
+                  <p:par>
+                    <p:cTn id="3" fill="hold">
+                      <p:stCondLst>
+                        <p:cond delay="indefinite"/>
+                        <p:cond evt="onBegin" delay="0">
+                          <p:tn val="2"/>
+                        </p:cond>
+                      </p:stCondLst>
+                      <p:childTnLst>
+                        <p:par>
+                          <p:cTn id="4" fill="hold">
+                            <p:stCondLst>
+                              <p:cond delay="0"/>
+                            </p:stCondLst>
+                            <p:childTnLst>
+                              <p:par>
+                                <p:cTn id="5" presetID="42" presetClass="entr" presetSubtype="0" fill="hold" grpId="0" nodeType="withEffect">
+                                  <p:stCondLst>
+                                    <p:cond delay="0"/>
+                                  </p:stCondLst>
+                                  <p:childTnLst>
+                                    <p:set>
+                                      <p:cBhvr>
+                                        <p:cTn id="6" dur="1" fill="hold">
+                                          <p:stCondLst>
+                                            <p:cond delay="0"/>
+                                          </p:stCondLst>
+                                        </p:cTn>
+                                        <p:tgtEl>
+                                          <p:spTgt spid="12">
+                                            <p:txEl>
+                                              <p:pRg st="0" end="0"/>
+                                            </p:txEl>
+                                          </p:spTgt>
+                                        </p:tgtEl>
+                                        <p:attrNameLst>
+                                          <p:attrName>style.visibility</p:attrName>
+                                        </p:attrNameLst>
+                                      </p:cBhvr>
+                                      <p:to>
+                                        <p:strVal val="visible"/>
+                                      </p:to>
+                                    </p:set>
+                                    <p:animEffect transition="in" filter="fade">
+                                      <p:cBhvr>
+                                        <p:cTn id="7" dur="1000"/>
+                                        <p:tgtEl>
+                                          <p:spTgt spid="12">
+                                            <p:txEl>
+                                              <p:pRg st="0" end="0"/>
+                                            </p:txEl>
+                                          </p:spTgt>
+                                        </p:tgtEl>
+                                      </p:cBhvr>
+                                    </p:animEffect>
+                                    <p:anim calcmode="lin" valueType="num">
+                                      <p:cBhvr>
+                                        <p:cTn id="8" dur="1000" fill="hold"/>
+                                        <p:tgtEl>
+                                          <p:spTgt spid="12">
+                                            <p:txEl>
+                                              <p:pRg st="0" end="0"/>
+                                            </p:txEl>
+                                          </p:spTgt>
+                                        </p:tgtEl>
+                                        <p:attrNameLst>
+                                          <p:attrName>ppt_x</p:attrName>
+                                        </p:attrNameLst>
+                                      </p:cBhvr>
+                                      <p:tavLst>
+                                        <p:tav tm="0">
+                                          <p:val>
+                                            <p:strVal val="#ppt_x"/>
+                                          </p:val>
+                                        </p:tav>
+                                        <p:tav tm="100000">
+                                          <p:val>
+                                            <p:strVal val="#ppt_x"/>
+                                          </p:val>
+                                        </p:tav>
+                                      </p:tavLst>
+                                    </p:anim>
+                                    <p:anim calcmode="lin" valueType="num">
+                                      <p:cBhvr>
+                                        <p:cTn id="9" dur="1000" fill="hold"/>
+                                        <p:tgtEl>
+                                          <p:spTgt spid="12">
+                                            <p:txEl>
+                                              <p:pRg st="0" end="0"/>
+                                            </p:txEl>
+                                          </p:spTgt>
+                                        </p:tgtEl>
+                                        <p:attrNameLst>
+                                          <p:attrName>ppt_y</p:attrName>
+                                        </p:attrNameLst>
+                                      </p:cBhvr>
+                                      <p:tavLst>
+                                        <p:tav tm="0">
+                                          <p:val>
+                                            <p:strVal val="#ppt_y+.1"/>
+                                          </p:val>
+                                        </p:tav>
+                                        <p:tav tm="100000">
+                                          <p:val>
+                                            <p:strVal val="#ppt_y"/>
+                                          </p:val>
+                                        </p:tav>
+                                      </p:tavLst>
+                                    </p:anim>
+                                  </p:childTnLst>
+                                </p:cTn>
+                              </p:par>
+                              <p:par>
+                                <p:cTn id="10" presetID="42" presetClass="entr" presetSubtype="0" fill="hold" nodeType="withEffect">
+                                  <p:stCondLst>
+                                    <p:cond delay="0"/>
+                                  </p:stCondLst>
+                                  <p:childTnLst>
+                                    <p:set>
+                                      <p:cBhvr>
+                                        <p:cTn id="11" dur="1" fill="hold">
+                                          <p:stCondLst>
+                                            <p:cond delay="0"/>
+                                          </p:stCondLst>
+                                        </p:cTn>
+                                        <p:tgtEl>
+                                          <p:spTgt spid="13"/>
+                                        </p:tgtEl>
+                                        <p:attrNameLst>
+                                          <p:attrName>style.visibility</p:attrName>
+                                        </p:attrNameLst>
+                                      </p:cBhvr>
+                                      <p:to>
+                                        <p:strVal val="visible"/>
+                                      </p:to>
+                                    </p:set>
+                                    <p:animEffect transition="in" filter="fade">
+                                      <p:cBhvr>
+                                        <p:cTn id="12" dur="1000"/>
+                                        <p:tgtEl>
+                                          <p:spTgt spid="13"/>
+                                        </p:tgtEl>
+                                      </p:cBhvr>
+                                    </p:animEffect>
+                                    <p:anim calcmode="lin" valueType="num">
+                                      <p:cBhvr>
+                                        <p:cTn id="13" dur="1000" fill="hold"/>
+                                        <p:tgtEl>
+                                          <p:spTgt spid="13"/>
+                                        </p:tgtEl>
+                                        <p:attrNameLst>
+                                          <p:attrName>ppt_x</p:attrName>
+                                        </p:attrNameLst>
+                                      </p:cBhvr>
+                                      <p:tavLst>
+                                        <p:tav tm="0">
+                                          <p:val>
+                                            <p:strVal val="#ppt_x"/>
+                                          </p:val>
+                                        </p:tav>
+                                        <p:tav tm="100000">
+                                          <p:val>
+                                            <p:strVal val="#ppt_x"/>
+                                          </p:val>
+                                        </p:tav>
+                                      </p:tavLst>
+                                    </p:anim>
+                                    <p:anim calcmode="lin" valueType="num">
+                                      <p:cBhvr>
+                                        <p:cTn id="14" dur="1000" fill="hold"/>
+                                        <p:tgtEl>
+                                          <p:spTgt spid="13"/>
+                                        </p:tgtEl>
+                                        <p:attrNameLst>
+                                          <p:attrName>ppt_y</p:attrName>
+                                        </p:attrNameLst>
+                                      </p:cBhvr>
+                                      <p:tavLst>
+                                        <p:tav tm="0">
+                                          <p:val>
+                                            <p:strVal val="#ppt_y+.1"/>
+                                          </p:val>
+                                        </p:tav>
+                                        <p:tav tm="100000">
+                                          <p:val>
+                                            <p:strVal val="#ppt_y"/>
+                                          </p:val>
+                                        </p:tav>
+                                      </p:tavLst>
+                                    </p:anim>
+                                  </p:childTnLst>
+                                </p:cTn>
+                              </p:par>
+                            </p:childTnLst>
+                          </p:cTn>
+                        </p:par>
+                      </p:childTnLst>
+                    </p:cTn>
+                  </p:par>
+                </p:childTnLst>
+              </p:cTn>
+              <p:prevCondLst>
+                <p:cond evt="onPrev" delay="0">
+                  <p:tgtEl>
+                    <p:sldTgt/>
+                  </p:tgtEl>
+                </p:cond>
+              </p:prevCondLst>
+              <p:nextCondLst>
+                <p:cond evt="onNext" delay="0">
+                  <p:tgtEl>
+                    <p:sldTgt/>
+                  </p:tgtEl>
+                </p:cond>
+              </p:nextCondLst>
+            </p:seq>
+          </p:childTnLst>
+        </p:cTn>
+      </p:par>
+    </p:tnLst>
+    <p:bldLst>
+      <p:bldP spid="12" grpId="0" build="p"/>
+    </p:bldLst>
+  </p:timing>
+</p:sld>
+</file>
+
+<file path=ppt/slides/slide7.xml><?xml version="1.0" encoding="utf-8"?>
 <p:sld xmlns:a="http://schemas.openxmlformats.org/drawingml/2006/main" xmlns:r="http://schemas.openxmlformats.org/officeDocument/2006/relationships" xmlns:p="http://schemas.openxmlformats.org/presentationml/2006/main">
   <p:cSld>
     <p:spTree>
@@ -10541,18 +14100,9 @@
   <p:clrMapOvr>
     <a:masterClrMapping/>
   </p:clrMapOvr>
-  <mc:AlternateContent xmlns:mc="http://schemas.openxmlformats.org/markup-compatibility/2006" xmlns:p14="http://schemas.microsoft.com/office/powerpoint/2010/main">
-    <mc:Choice Requires="p14">
-      <p:transition spd="med" p14:dur="700">
-        <p:fade/>
-      </p:transition>
-    </mc:Choice>
-    <mc:Fallback xmlns="">
-      <p:transition spd="med">
-        <p:fade/>
-      </p:transition>
-    </mc:Fallback>
-  </mc:AlternateContent>
+  <p:transition spd="slow">
+    <p:push/>
+  </p:transition>
   <p:timing>
     <p:tnLst>
       <p:par>
@@ -11132,7 +14682,7 @@
 </p:sld>
 </file>
 
-<file path=ppt/slides/slide7.xml><?xml version="1.0" encoding="utf-8"?>
+<file path=ppt/slides/slide8.xml><?xml version="1.0" encoding="utf-8"?>
 <p:sld xmlns:a="http://schemas.openxmlformats.org/drawingml/2006/main" xmlns:r="http://schemas.openxmlformats.org/officeDocument/2006/relationships" xmlns:p="http://schemas.openxmlformats.org/presentationml/2006/main">
   <p:cSld>
     <p:spTree>
@@ -11892,18 +15442,9 @@
   <p:clrMapOvr>
     <a:masterClrMapping/>
   </p:clrMapOvr>
-  <mc:AlternateContent xmlns:mc="http://schemas.openxmlformats.org/markup-compatibility/2006" xmlns:p14="http://schemas.microsoft.com/office/powerpoint/2010/main">
-    <mc:Choice Requires="p14">
-      <p:transition spd="med" p14:dur="700">
-        <p:fade/>
-      </p:transition>
-    </mc:Choice>
-    <mc:Fallback xmlns="">
-      <p:transition spd="med">
-        <p:fade/>
-      </p:transition>
-    </mc:Fallback>
-  </mc:AlternateContent>
+  <p:transition spd="slow">
+    <p:push/>
+  </p:transition>
   <p:timing>
     <p:tnLst>
       <p:par>
@@ -12001,7 +15542,7 @@
 </p:sld>
 </file>
 
-<file path=ppt/slides/slide8.xml><?xml version="1.0" encoding="utf-8"?>
+<file path=ppt/slides/slide9.xml><?xml version="1.0" encoding="utf-8"?>
 <p:sld xmlns:a="http://schemas.openxmlformats.org/drawingml/2006/main" xmlns:r="http://schemas.openxmlformats.org/officeDocument/2006/relationships" xmlns:p="http://schemas.openxmlformats.org/presentationml/2006/main">
   <p:cSld>
     <p:spTree>
@@ -12075,118 +15616,89 @@
   <p:clrMapOvr>
     <a:masterClrMapping/>
   </p:clrMapOvr>
-  <mc:AlternateContent xmlns:mc="http://schemas.openxmlformats.org/markup-compatibility/2006" xmlns:p14="http://schemas.microsoft.com/office/powerpoint/2010/main">
-    <mc:Choice Requires="p14">
-      <p:transition spd="med" p14:dur="700">
-        <p:fade/>
-      </p:transition>
-    </mc:Choice>
-    <mc:Fallback xmlns="">
-      <p:transition spd="med">
-        <p:fade/>
-      </p:transition>
-    </mc:Fallback>
-  </mc:AlternateContent>
+  <p:transition spd="slow">
+    <p:push/>
+  </p:transition>
   <p:timing>
     <p:tnLst>
       <p:par>
-        <p:cTn id="1" dur="indefinite" restart="never" nodeType="tmRoot"/>
-      </p:par>
-    </p:tnLst>
-  </p:timing>
-</p:sld>
-</file>
-
-<file path=ppt/slides/slide9.xml><?xml version="1.0" encoding="utf-8"?>
-<p:sld xmlns:a="http://schemas.openxmlformats.org/drawingml/2006/main" xmlns:r="http://schemas.openxmlformats.org/officeDocument/2006/relationships" xmlns:p="http://schemas.openxmlformats.org/presentationml/2006/main">
-  <p:cSld>
-    <p:spTree>
-      <p:nvGrpSpPr>
-        <p:cNvPr id="1" name=""/>
-        <p:cNvGrpSpPr/>
-        <p:nvPr/>
-      </p:nvGrpSpPr>
-      <p:grpSpPr>
-        <a:xfrm>
-          <a:off x="0" y="0"/>
-          <a:ext cx="0" cy="0"/>
-          <a:chOff x="0" y="0"/>
-          <a:chExt cx="0" cy="0"/>
-        </a:xfrm>
-      </p:grpSpPr>
-      <p:sp>
-        <p:nvSpPr>
-          <p:cNvPr id="2" name="Titolo 1"/>
-          <p:cNvSpPr>
-            <a:spLocks noGrp="1"/>
-          </p:cNvSpPr>
-          <p:nvPr>
-            <p:ph type="title"/>
-          </p:nvPr>
-        </p:nvSpPr>
-        <p:spPr/>
-        <p:txBody>
-          <a:bodyPr/>
-          <a:lstStyle/>
-          <a:p>
-            <a:r>
-              <a:rPr lang="it-CH" dirty="0" smtClean="0"/>
-              <a:t>Implementazione</a:t>
-            </a:r>
-            <a:endParaRPr lang="it-CH" dirty="0"/>
-          </a:p>
-        </p:txBody>
-      </p:sp>
-      <p:pic>
-        <p:nvPicPr>
-          <p:cNvPr id="3" name="Immagine 2"/>
-          <p:cNvPicPr>
-            <a:picLocks noChangeAspect="1"/>
-          </p:cNvPicPr>
-          <p:nvPr/>
-        </p:nvPicPr>
-        <p:blipFill>
-          <a:blip r:embed="rId3"/>
-          <a:stretch>
-            <a:fillRect/>
-          </a:stretch>
-        </p:blipFill>
-        <p:spPr>
-          <a:xfrm>
-            <a:off x="2426017" y="1898022"/>
-            <a:ext cx="7400925" cy="3933825"/>
-          </a:xfrm>
-          <a:prstGeom prst="rect">
-            <a:avLst/>
-          </a:prstGeom>
-        </p:spPr>
-      </p:pic>
-    </p:spTree>
-    <p:extLst>
-      <p:ext uri="{BB962C8B-B14F-4D97-AF65-F5344CB8AC3E}">
-        <p14:creationId xmlns:p14="http://schemas.microsoft.com/office/powerpoint/2010/main" val="4269347480"/>
-      </p:ext>
-    </p:extLst>
-  </p:cSld>
-  <p:clrMapOvr>
-    <a:masterClrMapping/>
-  </p:clrMapOvr>
-  <mc:AlternateContent xmlns:mc="http://schemas.openxmlformats.org/markup-compatibility/2006" xmlns:p14="http://schemas.microsoft.com/office/powerpoint/2010/main">
-    <mc:Choice Requires="p14">
-      <p:transition spd="med" p14:dur="700">
-        <p:fade/>
-      </p:transition>
-    </mc:Choice>
-    <mc:Fallback xmlns="">
-      <p:transition spd="med">
-        <p:fade/>
-      </p:transition>
-    </mc:Fallback>
-  </mc:AlternateContent>
-  <p:timing>
-    <p:tnLst>
-      <p:par>
-        <p:cTn id="1" dur="indefinite" restart="never" nodeType="tmRoot"/>
+        <p:cTn id="1" dur="indefinite" restart="never" nodeType="tmRoot">
+          <p:childTnLst>
+            <p:seq concurrent="1" nextAc="seek">
+              <p:cTn id="2" dur="indefinite" nodeType="mainSeq">
+                <p:childTnLst>
+                  <p:par>
+                    <p:cTn id="3" fill="hold">
+                      <p:stCondLst>
+                        <p:cond delay="indefinite"/>
+                      </p:stCondLst>
+                      <p:childTnLst>
+                        <p:par>
+                          <p:cTn id="4" fill="hold">
+                            <p:stCondLst>
+                              <p:cond delay="0"/>
+                            </p:stCondLst>
+                            <p:childTnLst>
+                              <p:par>
+                                <p:cTn id="5" presetID="22" presetClass="entr" presetSubtype="1" fill="hold" nodeType="clickEffect">
+                                  <p:stCondLst>
+                                    <p:cond delay="0"/>
+                                  </p:stCondLst>
+                                  <p:childTnLst>
+                                    <p:set>
+                                      <p:cBhvr>
+                                        <p:cTn id="6" dur="1" fill="hold">
+                                          <p:stCondLst>
+                                            <p:cond delay="0"/>
+                                          </p:stCondLst>
+                                        </p:cTn>
+                                        <p:tgtEl>
+                                          <p:spTgt spid="7"/>
+                                        </p:tgtEl>
+                                        <p:attrNameLst>
+                                          <p:attrName>style.visibility</p:attrName>
+                                        </p:attrNameLst>
+                                      </p:cBhvr>
+                                      <p:to>
+                                        <p:strVal val="visible"/>
+                                      </p:to>
+                                    </p:set>
+                                    <p:animEffect transition="in" filter="wipe(up)">
+                                      <p:cBhvr>
+                                        <p:cTn id="7" dur="500"/>
+                                        <p:tgtEl>
+                                          <p:spTgt spid="7"/>
+                                        </p:tgtEl>
+                                      </p:cBhvr>
+                                    </p:animEffect>
+                                  </p:childTnLst>
+                                </p:cTn>
+                              </p:par>
+                            </p:childTnLst>
+                          </p:cTn>
+                        </p:par>
+                      </p:childTnLst>
+                    </p:cTn>
+                  </p:par>
+                </p:childTnLst>
+              </p:cTn>
+              <p:prevCondLst>
+                <p:cond evt="onPrev" delay="0">
+                  <p:tgtEl>
+                    <p:sldTgt/>
+                  </p:tgtEl>
+                </p:cond>
+              </p:prevCondLst>
+              <p:nextCondLst>
+                <p:cond evt="onNext" delay="0">
+                  <p:tgtEl>
+                    <p:sldTgt/>
+                  </p:tgtEl>
+                </p:cond>
+              </p:nextCondLst>
+            </p:seq>
+          </p:childTnLst>
+        </p:cTn>
       </p:par>
     </p:tnLst>
   </p:timing>
